--- a/GPP_ZombieAI_LastNameFirstName_2DAEXX.pptx
+++ b/GPP_ZombieAI_LastNameFirstName_2DAEXX.pptx
@@ -328,7 +328,7 @@
           <a:p>
             <a:fld id="{82085877-2B37-48E7-8B6D-4D4ED486130A}" type="datetimeFigureOut">
               <a:rPr lang="en-BE" smtClean="0"/>
-              <a:t>12/17/2021</a:t>
+              <a:t>01/02/2023</a:t>
             </a:fld>
             <a:endParaRPr lang="en-BE"/>
           </a:p>
@@ -528,7 +528,7 @@
           <a:p>
             <a:fld id="{82085877-2B37-48E7-8B6D-4D4ED486130A}" type="datetimeFigureOut">
               <a:rPr lang="en-BE" smtClean="0"/>
-              <a:t>12/17/2021</a:t>
+              <a:t>01/02/2023</a:t>
             </a:fld>
             <a:endParaRPr lang="en-BE"/>
           </a:p>
@@ -738,7 +738,7 @@
           <a:p>
             <a:fld id="{82085877-2B37-48E7-8B6D-4D4ED486130A}" type="datetimeFigureOut">
               <a:rPr lang="en-BE" smtClean="0"/>
-              <a:t>12/17/2021</a:t>
+              <a:t>01/02/2023</a:t>
             </a:fld>
             <a:endParaRPr lang="en-BE"/>
           </a:p>
@@ -938,7 +938,7 @@
           <a:p>
             <a:fld id="{82085877-2B37-48E7-8B6D-4D4ED486130A}" type="datetimeFigureOut">
               <a:rPr lang="en-BE" smtClean="0"/>
-              <a:t>12/17/2021</a:t>
+              <a:t>01/02/2023</a:t>
             </a:fld>
             <a:endParaRPr lang="en-BE"/>
           </a:p>
@@ -1214,7 +1214,7 @@
           <a:p>
             <a:fld id="{82085877-2B37-48E7-8B6D-4D4ED486130A}" type="datetimeFigureOut">
               <a:rPr lang="en-BE" smtClean="0"/>
-              <a:t>12/17/2021</a:t>
+              <a:t>01/02/2023</a:t>
             </a:fld>
             <a:endParaRPr lang="en-BE"/>
           </a:p>
@@ -1482,7 +1482,7 @@
           <a:p>
             <a:fld id="{82085877-2B37-48E7-8B6D-4D4ED486130A}" type="datetimeFigureOut">
               <a:rPr lang="en-BE" smtClean="0"/>
-              <a:t>12/17/2021</a:t>
+              <a:t>01/02/2023</a:t>
             </a:fld>
             <a:endParaRPr lang="en-BE"/>
           </a:p>
@@ -1897,7 +1897,7 @@
           <a:p>
             <a:fld id="{82085877-2B37-48E7-8B6D-4D4ED486130A}" type="datetimeFigureOut">
               <a:rPr lang="en-BE" smtClean="0"/>
-              <a:t>12/17/2021</a:t>
+              <a:t>01/02/2023</a:t>
             </a:fld>
             <a:endParaRPr lang="en-BE"/>
           </a:p>
@@ -2039,7 +2039,7 @@
           <a:p>
             <a:fld id="{82085877-2B37-48E7-8B6D-4D4ED486130A}" type="datetimeFigureOut">
               <a:rPr lang="en-BE" smtClean="0"/>
-              <a:t>12/17/2021</a:t>
+              <a:t>01/02/2023</a:t>
             </a:fld>
             <a:endParaRPr lang="en-BE"/>
           </a:p>
@@ -2152,7 +2152,7 @@
           <a:p>
             <a:fld id="{82085877-2B37-48E7-8B6D-4D4ED486130A}" type="datetimeFigureOut">
               <a:rPr lang="en-BE" smtClean="0"/>
-              <a:t>12/17/2021</a:t>
+              <a:t>01/02/2023</a:t>
             </a:fld>
             <a:endParaRPr lang="en-BE"/>
           </a:p>
@@ -2465,7 +2465,7 @@
           <a:p>
             <a:fld id="{82085877-2B37-48E7-8B6D-4D4ED486130A}" type="datetimeFigureOut">
               <a:rPr lang="en-BE" smtClean="0"/>
-              <a:t>12/17/2021</a:t>
+              <a:t>01/02/2023</a:t>
             </a:fld>
             <a:endParaRPr lang="en-BE"/>
           </a:p>
@@ -2754,7 +2754,7 @@
           <a:p>
             <a:fld id="{82085877-2B37-48E7-8B6D-4D4ED486130A}" type="datetimeFigureOut">
               <a:rPr lang="en-BE" smtClean="0"/>
-              <a:t>12/17/2021</a:t>
+              <a:t>01/02/2023</a:t>
             </a:fld>
             <a:endParaRPr lang="en-BE"/>
           </a:p>
@@ -2997,7 +2997,7 @@
           <a:p>
             <a:fld id="{82085877-2B37-48E7-8B6D-4D4ED486130A}" type="datetimeFigureOut">
               <a:rPr lang="en-BE" smtClean="0"/>
-              <a:t>12/17/2021</a:t>
+              <a:t>01/02/2023</a:t>
             </a:fld>
             <a:endParaRPr lang="en-BE"/>
           </a:p>
@@ -3677,7 +3677,7 @@
           <a:lstStyle/>
           <a:p>
             <a:r>
-              <a:rPr lang="en-US" i="1">
+              <a:rPr lang="en-US" i="1" dirty="0">
                 <a:solidFill>
                   <a:schemeClr val="bg1">
                     <a:lumMod val="75000"/>
@@ -3686,7 +3686,7 @@
               </a:rPr>
               <a:t>How does your agent deal with enemies (aiming, shooting, item usage, avoidance, hiding, usage of sprint, …)?</a:t>
             </a:r>
-            <a:endParaRPr lang="en-BE" i="1">
+            <a:endParaRPr lang="en-BE" i="1" dirty="0">
               <a:solidFill>
                 <a:schemeClr val="bg1">
                   <a:lumMod val="75000"/>
@@ -3696,7 +3696,7 @@
           </a:p>
           <a:p>
             <a:r>
-              <a:rPr lang="en-US" i="1">
+              <a:rPr lang="en-US" i="1" dirty="0">
                 <a:solidFill>
                   <a:schemeClr val="bg1">
                     <a:lumMod val="75000"/>
@@ -3705,7 +3705,7 @@
               </a:rPr>
               <a:t>USE IMAGES/GIFS</a:t>
             </a:r>
-            <a:endParaRPr lang="en-BE"/>
+            <a:endParaRPr lang="en-BE" dirty="0"/>
           </a:p>
         </p:txBody>
       </p:sp>
@@ -3790,16 +3790,18 @@
           <a:lstStyle/>
           <a:p>
             <a:r>
-              <a:rPr lang="en-US" i="1">
+              <a:rPr lang="en-US" i="1" dirty="0">
                 <a:solidFill>
                   <a:schemeClr val="bg1">
                     <a:lumMod val="75000"/>
                   </a:schemeClr>
                 </a:solidFill>
               </a:rPr>
-              <a:t>How does your agent manage its inventory (inventory organization, item usage, picking up and remembering items,…)? </a:t>
-            </a:r>
-            <a:endParaRPr lang="en-BE" i="1">
+              <a:t>1 Slot per item type, will drop lower grade items for higher grade items.</a:t>
+            </a:r>
+          </a:p>
+          <a:p>
+            <a:endParaRPr lang="en-US" i="1" dirty="0">
               <a:solidFill>
                 <a:schemeClr val="bg1">
                   <a:lumMod val="75000"/>
@@ -3808,7 +3810,47 @@
             </a:endParaRPr>
           </a:p>
           <a:p>
-            <a:endParaRPr lang="en-BE"/>
+            <a:r>
+              <a:rPr lang="en-US" i="1" dirty="0">
+                <a:solidFill>
+                  <a:schemeClr val="bg1">
+                    <a:lumMod val="75000"/>
+                  </a:schemeClr>
+                </a:solidFill>
+              </a:rPr>
+              <a:t>House added to search list with cooldown.</a:t>
+            </a:r>
+          </a:p>
+          <a:p>
+            <a:endParaRPr lang="en-US" i="1" dirty="0">
+              <a:solidFill>
+                <a:schemeClr val="bg1">
+                  <a:lumMod val="75000"/>
+                </a:schemeClr>
+              </a:solidFill>
+            </a:endParaRPr>
+          </a:p>
+          <a:p>
+            <a:r>
+              <a:rPr lang="en-US" i="1" dirty="0">
+                <a:solidFill>
+                  <a:schemeClr val="bg1">
+                    <a:lumMod val="75000"/>
+                  </a:schemeClr>
+                </a:solidFill>
+              </a:rPr>
+              <a:t>Items will only be used after threshold (2.0 for health and energy)</a:t>
+            </a:r>
+            <a:endParaRPr lang="en-BE" i="1" dirty="0">
+              <a:solidFill>
+                <a:schemeClr val="bg1">
+                  <a:lumMod val="75000"/>
+                </a:schemeClr>
+              </a:solidFill>
+            </a:endParaRPr>
+          </a:p>
+          <a:p>
+            <a:endParaRPr lang="en-BE" dirty="0"/>
           </a:p>
         </p:txBody>
       </p:sp>
@@ -4363,6 +4405,30 @@
 </file>
 
 <file path=customXml/item1.xml><?xml version="1.0" encoding="utf-8"?>
+<?mso-contentType ?>
+<FormTemplates xmlns="http://schemas.microsoft.com/sharepoint/v3/contenttype/forms">
+  <Display>DocumentLibraryForm</Display>
+  <Edit>DocumentLibraryForm</Edit>
+  <New>DocumentLibraryForm</New>
+</FormTemplates>
+</file>
+
+<file path=customXml/item2.xml><?xml version="1.0" encoding="utf-8"?>
+<p:properties xmlns:p="http://schemas.microsoft.com/office/2006/metadata/properties" xmlns:xsi="http://www.w3.org/2001/XMLSchema-instance" xmlns:pc="http://schemas.microsoft.com/office/infopath/2007/PartnerControls">
+  <documentManagement>
+    <IconOverlay xmlns="http://schemas.microsoft.com/sharepoint/v4" xsi:nil="true"/>
+    <TaxCatchAll xmlns="128482ec-0431-40d5-ab26-89ea2a4f3ccd" xsi:nil="true"/>
+    <m99485b88215436a82099f8287cba0b0 xmlns="128482ec-0431-40d5-ab26-89ea2a4f3ccd">
+      <Terms xmlns="http://schemas.microsoft.com/office/infopath/2007/PartnerControls"/>
+    </m99485b88215436a82099f8287cba0b0>
+    <lcf76f155ced4ddcb4097134ff3c332f xmlns="60eb0cf4-ae2a-4762-800a-cb593b869ecb">
+      <Terms xmlns="http://schemas.microsoft.com/office/infopath/2007/PartnerControls"/>
+    </lcf76f155ced4ddcb4097134ff3c332f>
+  </documentManagement>
+</p:properties>
+</file>
+
+<file path=customXml/item3.xml><?xml version="1.0" encoding="utf-8"?>
 <ct:contentTypeSchema xmlns:ct="http://schemas.microsoft.com/office/2006/metadata/contentType" xmlns:ma="http://schemas.microsoft.com/office/2006/metadata/properties/metaAttributes" ct:_="" ma:_="" ma:contentTypeName="Document" ma:contentTypeID="0x010100723942CCEB3A674D8F1F6472CCEFB38E" ma:contentTypeVersion="10" ma:contentTypeDescription="Create a new document." ma:contentTypeScope="" ma:versionID="16a01ce9272d529e040be000891ba687">
   <xsd:schema xmlns:xsd="http://www.w3.org/2001/XMLSchema" xmlns:xs="http://www.w3.org/2001/XMLSchema" xmlns:p="http://schemas.microsoft.com/office/2006/metadata/properties" xmlns:ns2="128482ec-0431-40d5-ab26-89ea2a4f3ccd" xmlns:ns3="60eb0cf4-ae2a-4762-800a-cb593b869ecb" xmlns:ns4="http://schemas.microsoft.com/sharepoint/v4" xmlns:ns5="a2e691a9-fcfc-4d85-a390-1894fe98bd9e" targetNamespace="http://schemas.microsoft.com/office/2006/metadata/properties" ma:root="true" ma:fieldsID="f316950213048d470c4fd696bb5ac3d5" ns2:_="" ns3:_="" ns4:_="" ns5:_="">
     <xsd:import namespace="128482ec-0431-40d5-ab26-89ea2a4f3ccd"/>
@@ -4629,32 +4695,12 @@
 </ct:contentTypeSchema>
 </file>
 
-<file path=customXml/item2.xml><?xml version="1.0" encoding="utf-8"?>
-<p:properties xmlns:p="http://schemas.microsoft.com/office/2006/metadata/properties" xmlns:xsi="http://www.w3.org/2001/XMLSchema-instance" xmlns:pc="http://schemas.microsoft.com/office/infopath/2007/PartnerControls">
-  <documentManagement>
-    <IconOverlay xmlns="http://schemas.microsoft.com/sharepoint/v4" xsi:nil="true"/>
-    <TaxCatchAll xmlns="128482ec-0431-40d5-ab26-89ea2a4f3ccd" xsi:nil="true"/>
-    <m99485b88215436a82099f8287cba0b0 xmlns="128482ec-0431-40d5-ab26-89ea2a4f3ccd">
-      <Terms xmlns="http://schemas.microsoft.com/office/infopath/2007/PartnerControls"/>
-    </m99485b88215436a82099f8287cba0b0>
-    <lcf76f155ced4ddcb4097134ff3c332f xmlns="60eb0cf4-ae2a-4762-800a-cb593b869ecb">
-      <Terms xmlns="http://schemas.microsoft.com/office/infopath/2007/PartnerControls"/>
-    </lcf76f155ced4ddcb4097134ff3c332f>
-  </documentManagement>
-</p:properties>
-</file>
-
-<file path=customXml/item3.xml><?xml version="1.0" encoding="utf-8"?>
-<?mso-contentType ?>
-<FormTemplates xmlns="http://schemas.microsoft.com/sharepoint/v3/contenttype/forms">
-  <Display>DocumentLibraryForm</Display>
-  <Edit>DocumentLibraryForm</Edit>
-  <New>DocumentLibraryForm</New>
-</FormTemplates>
-</file>
-
 <file path=customXml/itemProps1.xml><?xml version="1.0" encoding="utf-8"?>
-<ds:datastoreItem xmlns:ds="http://schemas.openxmlformats.org/officeDocument/2006/customXml" ds:itemID="{CB95CD2F-7AF1-41D4-B9F6-F2104A185175}"/>
+<ds:datastoreItem xmlns:ds="http://schemas.openxmlformats.org/officeDocument/2006/customXml" ds:itemID="{AF8EC6D1-CB19-4400-AD0A-0C75CD884AEA}">
+  <ds:schemaRefs>
+    <ds:schemaRef ds:uri="http://schemas.microsoft.com/sharepoint/v3/contenttype/forms"/>
+  </ds:schemaRefs>
+</ds:datastoreItem>
 </file>
 
 <file path=customXml/itemProps2.xml><?xml version="1.0" encoding="utf-8"?>
@@ -4664,14 +4710,28 @@
     <ds:schemaRef ds:uri="http://schemas.microsoft.com/office/2006/metadata/properties"/>
     <ds:schemaRef ds:uri="http://schemas.microsoft.com/office/infopath/2007/PartnerControls"/>
     <ds:schemaRef ds:uri="http://schemas.microsoft.com/sharepoint/v4"/>
+    <ds:schemaRef ds:uri="60eb0cf4-ae2a-4762-800a-cb593b869ecb"/>
   </ds:schemaRefs>
 </ds:datastoreItem>
 </file>
 
 <file path=customXml/itemProps3.xml><?xml version="1.0" encoding="utf-8"?>
-<ds:datastoreItem xmlns:ds="http://schemas.openxmlformats.org/officeDocument/2006/customXml" ds:itemID="{AF8EC6D1-CB19-4400-AD0A-0C75CD884AEA}">
+<ds:datastoreItem xmlns:ds="http://schemas.openxmlformats.org/officeDocument/2006/customXml" ds:itemID="{CB95CD2F-7AF1-41D4-B9F6-F2104A185175}">
   <ds:schemaRefs>
-    <ds:schemaRef ds:uri="http://schemas.microsoft.com/sharepoint/v3/contenttype/forms"/>
+    <ds:schemaRef ds:uri="http://schemas.microsoft.com/office/2006/metadata/contentType"/>
+    <ds:schemaRef ds:uri="http://schemas.microsoft.com/office/2006/metadata/properties/metaAttributes"/>
+    <ds:schemaRef ds:uri="http://www.w3.org/2001/XMLSchema"/>
+    <ds:schemaRef ds:uri="http://schemas.microsoft.com/office/2006/metadata/properties"/>
+    <ds:schemaRef ds:uri="128482ec-0431-40d5-ab26-89ea2a4f3ccd"/>
+    <ds:schemaRef ds:uri="60eb0cf4-ae2a-4762-800a-cb593b869ecb"/>
+    <ds:schemaRef ds:uri="http://schemas.microsoft.com/sharepoint/v4"/>
+    <ds:schemaRef ds:uri="a2e691a9-fcfc-4d85-a390-1894fe98bd9e"/>
+    <ds:schemaRef ds:uri="http://schemas.microsoft.com/office/2006/documentManagement/types"/>
+    <ds:schemaRef ds:uri="http://schemas.microsoft.com/office/infopath/2007/PartnerControls"/>
+    <ds:schemaRef ds:uri="http://schemas.openxmlformats.org/package/2006/metadata/core-properties"/>
+    <ds:schemaRef ds:uri="http://purl.org/dc/elements/1.1/"/>
+    <ds:schemaRef ds:uri="http://purl.org/dc/terms/"/>
+    <ds:schemaRef ds:uri="http://schemas.microsoft.com/internal/obd"/>
   </ds:schemaRefs>
 </ds:datastoreItem>
 </file>
--- a/GPP_ZombieAI_LastNameFirstName_2DAEXX.pptx
+++ b/GPP_ZombieAI_LastNameFirstName_2DAEXX.pptx
@@ -4,6 +4,9 @@
   <p:sldMasterIdLst>
     <p:sldMasterId id="2147483648" r:id="rId4"/>
   </p:sldMasterIdLst>
+  <p:notesMasterIdLst>
+    <p:notesMasterId r:id="rId11"/>
+  </p:notesMasterIdLst>
   <p:sldIdLst>
     <p:sldId id="256" r:id="rId5"/>
     <p:sldId id="257" r:id="rId6"/>
@@ -179,6 +182,439 @@
 </pc:chgInfo>
 </file>
 
+<file path=ppt/notesMasters/notesMaster1.xml><?xml version="1.0" encoding="utf-8"?>
+<p:notesMaster xmlns:a="http://schemas.openxmlformats.org/drawingml/2006/main" xmlns:r="http://schemas.openxmlformats.org/officeDocument/2006/relationships" xmlns:p="http://schemas.openxmlformats.org/presentationml/2006/main">
+  <p:cSld>
+    <p:bg>
+      <p:bgRef idx="1001">
+        <a:schemeClr val="bg1"/>
+      </p:bgRef>
+    </p:bg>
+    <p:spTree>
+      <p:nvGrpSpPr>
+        <p:cNvPr id="1" name=""/>
+        <p:cNvGrpSpPr/>
+        <p:nvPr/>
+      </p:nvGrpSpPr>
+      <p:grpSpPr>
+        <a:xfrm>
+          <a:off x="0" y="0"/>
+          <a:ext cx="0" cy="0"/>
+          <a:chOff x="0" y="0"/>
+          <a:chExt cx="0" cy="0"/>
+        </a:xfrm>
+      </p:grpSpPr>
+      <p:sp>
+        <p:nvSpPr>
+          <p:cNvPr id="2" name="Header Placeholder 1"/>
+          <p:cNvSpPr>
+            <a:spLocks noGrp="1"/>
+          </p:cNvSpPr>
+          <p:nvPr>
+            <p:ph type="hdr" sz="quarter"/>
+          </p:nvPr>
+        </p:nvSpPr>
+        <p:spPr>
+          <a:xfrm>
+            <a:off x="0" y="0"/>
+            <a:ext cx="2971800" cy="458788"/>
+          </a:xfrm>
+          <a:prstGeom prst="rect">
+            <a:avLst/>
+          </a:prstGeom>
+        </p:spPr>
+        <p:txBody>
+          <a:bodyPr vert="horz" lIns="91440" tIns="45720" rIns="91440" bIns="45720" rtlCol="0"/>
+          <a:lstStyle>
+            <a:lvl1pPr algn="l">
+              <a:defRPr sz="1200"/>
+            </a:lvl1pPr>
+          </a:lstStyle>
+          <a:p>
+            <a:endParaRPr lang="en-US"/>
+          </a:p>
+        </p:txBody>
+      </p:sp>
+      <p:sp>
+        <p:nvSpPr>
+          <p:cNvPr id="3" name="Date Placeholder 2"/>
+          <p:cNvSpPr>
+            <a:spLocks noGrp="1"/>
+          </p:cNvSpPr>
+          <p:nvPr>
+            <p:ph type="dt" idx="1"/>
+          </p:nvPr>
+        </p:nvSpPr>
+        <p:spPr>
+          <a:xfrm>
+            <a:off x="3884613" y="0"/>
+            <a:ext cx="2971800" cy="458788"/>
+          </a:xfrm>
+          <a:prstGeom prst="rect">
+            <a:avLst/>
+          </a:prstGeom>
+        </p:spPr>
+        <p:txBody>
+          <a:bodyPr vert="horz" lIns="91440" tIns="45720" rIns="91440" bIns="45720" rtlCol="0"/>
+          <a:lstStyle>
+            <a:lvl1pPr algn="r">
+              <a:defRPr sz="1200"/>
+            </a:lvl1pPr>
+          </a:lstStyle>
+          <a:p>
+            <a:fld id="{0BEBBD7E-ADE3-4876-B4C7-79180EE8FBD7}" type="datetimeFigureOut">
+              <a:rPr lang="en-US" smtClean="0"/>
+              <a:t>1/15/2023</a:t>
+            </a:fld>
+            <a:endParaRPr lang="en-US"/>
+          </a:p>
+        </p:txBody>
+      </p:sp>
+      <p:sp>
+        <p:nvSpPr>
+          <p:cNvPr id="4" name="Slide Image Placeholder 3"/>
+          <p:cNvSpPr>
+            <a:spLocks noGrp="1" noRot="1" noChangeAspect="1"/>
+          </p:cNvSpPr>
+          <p:nvPr>
+            <p:ph type="sldImg" idx="2"/>
+          </p:nvPr>
+        </p:nvSpPr>
+        <p:spPr>
+          <a:xfrm>
+            <a:off x="685800" y="1143000"/>
+            <a:ext cx="5486400" cy="3086100"/>
+          </a:xfrm>
+          <a:prstGeom prst="rect">
+            <a:avLst/>
+          </a:prstGeom>
+          <a:noFill/>
+          <a:ln w="12700">
+            <a:solidFill>
+              <a:prstClr val="black"/>
+            </a:solidFill>
+          </a:ln>
+        </p:spPr>
+        <p:txBody>
+          <a:bodyPr vert="horz" lIns="91440" tIns="45720" rIns="91440" bIns="45720" rtlCol="0" anchor="ctr"/>
+          <a:lstStyle/>
+          <a:p>
+            <a:endParaRPr lang="en-US"/>
+          </a:p>
+        </p:txBody>
+      </p:sp>
+      <p:sp>
+        <p:nvSpPr>
+          <p:cNvPr id="5" name="Notes Placeholder 4"/>
+          <p:cNvSpPr>
+            <a:spLocks noGrp="1"/>
+          </p:cNvSpPr>
+          <p:nvPr>
+            <p:ph type="body" sz="quarter" idx="3"/>
+          </p:nvPr>
+        </p:nvSpPr>
+        <p:spPr>
+          <a:xfrm>
+            <a:off x="685800" y="4400550"/>
+            <a:ext cx="5486400" cy="3600450"/>
+          </a:xfrm>
+          <a:prstGeom prst="rect">
+            <a:avLst/>
+          </a:prstGeom>
+        </p:spPr>
+        <p:txBody>
+          <a:bodyPr vert="horz" lIns="91440" tIns="45720" rIns="91440" bIns="45720" rtlCol="0"/>
+          <a:lstStyle/>
+          <a:p>
+            <a:pPr lvl="0"/>
+            <a:r>
+              <a:rPr lang="en-US"/>
+              <a:t>Click to edit Master text styles</a:t>
+            </a:r>
+          </a:p>
+          <a:p>
+            <a:pPr lvl="1"/>
+            <a:r>
+              <a:rPr lang="en-US"/>
+              <a:t>Second level</a:t>
+            </a:r>
+          </a:p>
+          <a:p>
+            <a:pPr lvl="2"/>
+            <a:r>
+              <a:rPr lang="en-US"/>
+              <a:t>Third level</a:t>
+            </a:r>
+          </a:p>
+          <a:p>
+            <a:pPr lvl="3"/>
+            <a:r>
+              <a:rPr lang="en-US"/>
+              <a:t>Fourth level</a:t>
+            </a:r>
+          </a:p>
+          <a:p>
+            <a:pPr lvl="4"/>
+            <a:r>
+              <a:rPr lang="en-US"/>
+              <a:t>Fifth level</a:t>
+            </a:r>
+          </a:p>
+        </p:txBody>
+      </p:sp>
+      <p:sp>
+        <p:nvSpPr>
+          <p:cNvPr id="6" name="Footer Placeholder 5"/>
+          <p:cNvSpPr>
+            <a:spLocks noGrp="1"/>
+          </p:cNvSpPr>
+          <p:nvPr>
+            <p:ph type="ftr" sz="quarter" idx="4"/>
+          </p:nvPr>
+        </p:nvSpPr>
+        <p:spPr>
+          <a:xfrm>
+            <a:off x="0" y="8685213"/>
+            <a:ext cx="2971800" cy="458787"/>
+          </a:xfrm>
+          <a:prstGeom prst="rect">
+            <a:avLst/>
+          </a:prstGeom>
+        </p:spPr>
+        <p:txBody>
+          <a:bodyPr vert="horz" lIns="91440" tIns="45720" rIns="91440" bIns="45720" rtlCol="0" anchor="b"/>
+          <a:lstStyle>
+            <a:lvl1pPr algn="l">
+              <a:defRPr sz="1200"/>
+            </a:lvl1pPr>
+          </a:lstStyle>
+          <a:p>
+            <a:endParaRPr lang="en-US"/>
+          </a:p>
+        </p:txBody>
+      </p:sp>
+      <p:sp>
+        <p:nvSpPr>
+          <p:cNvPr id="7" name="Slide Number Placeholder 6"/>
+          <p:cNvSpPr>
+            <a:spLocks noGrp="1"/>
+          </p:cNvSpPr>
+          <p:nvPr>
+            <p:ph type="sldNum" sz="quarter" idx="5"/>
+          </p:nvPr>
+        </p:nvSpPr>
+        <p:spPr>
+          <a:xfrm>
+            <a:off x="3884613" y="8685213"/>
+            <a:ext cx="2971800" cy="458787"/>
+          </a:xfrm>
+          <a:prstGeom prst="rect">
+            <a:avLst/>
+          </a:prstGeom>
+        </p:spPr>
+        <p:txBody>
+          <a:bodyPr vert="horz" lIns="91440" tIns="45720" rIns="91440" bIns="45720" rtlCol="0" anchor="b"/>
+          <a:lstStyle>
+            <a:lvl1pPr algn="r">
+              <a:defRPr sz="1200"/>
+            </a:lvl1pPr>
+          </a:lstStyle>
+          <a:p>
+            <a:fld id="{B3F5B52B-3FCF-46C6-91F4-9716D4E4D10E}" type="slidenum">
+              <a:rPr lang="en-US" smtClean="0"/>
+              <a:t>‹#›</a:t>
+            </a:fld>
+            <a:endParaRPr lang="en-US"/>
+          </a:p>
+        </p:txBody>
+      </p:sp>
+    </p:spTree>
+    <p:extLst>
+      <p:ext uri="{BB962C8B-B14F-4D97-AF65-F5344CB8AC3E}">
+        <p14:creationId xmlns:p14="http://schemas.microsoft.com/office/powerpoint/2010/main" val="3339007170"/>
+      </p:ext>
+    </p:extLst>
+  </p:cSld>
+  <p:clrMap bg1="lt1" tx1="dk1" bg2="lt2" tx2="dk2" accent1="accent1" accent2="accent2" accent3="accent3" accent4="accent4" accent5="accent5" accent6="accent6" hlink="hlink" folHlink="folHlink"/>
+  <p:notesStyle>
+    <a:lvl1pPr marL="0" algn="l" defTabSz="914400" rtl="0" eaLnBrk="1" latinLnBrk="0" hangingPunct="1">
+      <a:defRPr sz="1200" kern="1200">
+        <a:solidFill>
+          <a:schemeClr val="tx1"/>
+        </a:solidFill>
+        <a:latin typeface="+mn-lt"/>
+        <a:ea typeface="+mn-ea"/>
+        <a:cs typeface="+mn-cs"/>
+      </a:defRPr>
+    </a:lvl1pPr>
+    <a:lvl2pPr marL="457200" algn="l" defTabSz="914400" rtl="0" eaLnBrk="1" latinLnBrk="0" hangingPunct="1">
+      <a:defRPr sz="1200" kern="1200">
+        <a:solidFill>
+          <a:schemeClr val="tx1"/>
+        </a:solidFill>
+        <a:latin typeface="+mn-lt"/>
+        <a:ea typeface="+mn-ea"/>
+        <a:cs typeface="+mn-cs"/>
+      </a:defRPr>
+    </a:lvl2pPr>
+    <a:lvl3pPr marL="914400" algn="l" defTabSz="914400" rtl="0" eaLnBrk="1" latinLnBrk="0" hangingPunct="1">
+      <a:defRPr sz="1200" kern="1200">
+        <a:solidFill>
+          <a:schemeClr val="tx1"/>
+        </a:solidFill>
+        <a:latin typeface="+mn-lt"/>
+        <a:ea typeface="+mn-ea"/>
+        <a:cs typeface="+mn-cs"/>
+      </a:defRPr>
+    </a:lvl3pPr>
+    <a:lvl4pPr marL="1371600" algn="l" defTabSz="914400" rtl="0" eaLnBrk="1" latinLnBrk="0" hangingPunct="1">
+      <a:defRPr sz="1200" kern="1200">
+        <a:solidFill>
+          <a:schemeClr val="tx1"/>
+        </a:solidFill>
+        <a:latin typeface="+mn-lt"/>
+        <a:ea typeface="+mn-ea"/>
+        <a:cs typeface="+mn-cs"/>
+      </a:defRPr>
+    </a:lvl4pPr>
+    <a:lvl5pPr marL="1828800" algn="l" defTabSz="914400" rtl="0" eaLnBrk="1" latinLnBrk="0" hangingPunct="1">
+      <a:defRPr sz="1200" kern="1200">
+        <a:solidFill>
+          <a:schemeClr val="tx1"/>
+        </a:solidFill>
+        <a:latin typeface="+mn-lt"/>
+        <a:ea typeface="+mn-ea"/>
+        <a:cs typeface="+mn-cs"/>
+      </a:defRPr>
+    </a:lvl5pPr>
+    <a:lvl6pPr marL="2286000" algn="l" defTabSz="914400" rtl="0" eaLnBrk="1" latinLnBrk="0" hangingPunct="1">
+      <a:defRPr sz="1200" kern="1200">
+        <a:solidFill>
+          <a:schemeClr val="tx1"/>
+        </a:solidFill>
+        <a:latin typeface="+mn-lt"/>
+        <a:ea typeface="+mn-ea"/>
+        <a:cs typeface="+mn-cs"/>
+      </a:defRPr>
+    </a:lvl6pPr>
+    <a:lvl7pPr marL="2743200" algn="l" defTabSz="914400" rtl="0" eaLnBrk="1" latinLnBrk="0" hangingPunct="1">
+      <a:defRPr sz="1200" kern="1200">
+        <a:solidFill>
+          <a:schemeClr val="tx1"/>
+        </a:solidFill>
+        <a:latin typeface="+mn-lt"/>
+        <a:ea typeface="+mn-ea"/>
+        <a:cs typeface="+mn-cs"/>
+      </a:defRPr>
+    </a:lvl7pPr>
+    <a:lvl8pPr marL="3200400" algn="l" defTabSz="914400" rtl="0" eaLnBrk="1" latinLnBrk="0" hangingPunct="1">
+      <a:defRPr sz="1200" kern="1200">
+        <a:solidFill>
+          <a:schemeClr val="tx1"/>
+        </a:solidFill>
+        <a:latin typeface="+mn-lt"/>
+        <a:ea typeface="+mn-ea"/>
+        <a:cs typeface="+mn-cs"/>
+      </a:defRPr>
+    </a:lvl8pPr>
+    <a:lvl9pPr marL="3657600" algn="l" defTabSz="914400" rtl="0" eaLnBrk="1" latinLnBrk="0" hangingPunct="1">
+      <a:defRPr sz="1200" kern="1200">
+        <a:solidFill>
+          <a:schemeClr val="tx1"/>
+        </a:solidFill>
+        <a:latin typeface="+mn-lt"/>
+        <a:ea typeface="+mn-ea"/>
+        <a:cs typeface="+mn-cs"/>
+      </a:defRPr>
+    </a:lvl9pPr>
+  </p:notesStyle>
+</p:notesMaster>
+</file>
+
+<file path=ppt/notesSlides/notesSlide1.xml><?xml version="1.0" encoding="utf-8"?>
+<p:notes xmlns:a="http://schemas.openxmlformats.org/drawingml/2006/main" xmlns:r="http://schemas.openxmlformats.org/officeDocument/2006/relationships" xmlns:p="http://schemas.openxmlformats.org/presentationml/2006/main">
+  <p:cSld>
+    <p:spTree>
+      <p:nvGrpSpPr>
+        <p:cNvPr id="1" name=""/>
+        <p:cNvGrpSpPr/>
+        <p:nvPr/>
+      </p:nvGrpSpPr>
+      <p:grpSpPr>
+        <a:xfrm>
+          <a:off x="0" y="0"/>
+          <a:ext cx="0" cy="0"/>
+          <a:chOff x="0" y="0"/>
+          <a:chExt cx="0" cy="0"/>
+        </a:xfrm>
+      </p:grpSpPr>
+      <p:sp>
+        <p:nvSpPr>
+          <p:cNvPr id="2" name="Slide Image Placeholder 1"/>
+          <p:cNvSpPr>
+            <a:spLocks noGrp="1" noRot="1" noChangeAspect="1"/>
+          </p:cNvSpPr>
+          <p:nvPr>
+            <p:ph type="sldImg"/>
+          </p:nvPr>
+        </p:nvSpPr>
+        <p:spPr/>
+      </p:sp>
+      <p:sp>
+        <p:nvSpPr>
+          <p:cNvPr id="3" name="Notes Placeholder 2"/>
+          <p:cNvSpPr>
+            <a:spLocks noGrp="1"/>
+          </p:cNvSpPr>
+          <p:nvPr>
+            <p:ph type="body" idx="1"/>
+          </p:nvPr>
+        </p:nvSpPr>
+        <p:spPr/>
+        <p:txBody>
+          <a:bodyPr/>
+          <a:lstStyle/>
+          <a:p>
+            <a:endParaRPr lang="en-US" dirty="0"/>
+          </a:p>
+        </p:txBody>
+      </p:sp>
+      <p:sp>
+        <p:nvSpPr>
+          <p:cNvPr id="4" name="Slide Number Placeholder 3"/>
+          <p:cNvSpPr>
+            <a:spLocks noGrp="1"/>
+          </p:cNvSpPr>
+          <p:nvPr>
+            <p:ph type="sldNum" sz="quarter" idx="5"/>
+          </p:nvPr>
+        </p:nvSpPr>
+        <p:spPr/>
+        <p:txBody>
+          <a:bodyPr/>
+          <a:lstStyle/>
+          <a:p>
+            <a:fld id="{B3F5B52B-3FCF-46C6-91F4-9716D4E4D10E}" type="slidenum">
+              <a:rPr lang="en-US" smtClean="0"/>
+              <a:t>5</a:t>
+            </a:fld>
+            <a:endParaRPr lang="en-US"/>
+          </a:p>
+        </p:txBody>
+      </p:sp>
+    </p:spTree>
+    <p:extLst>
+      <p:ext uri="{BB962C8B-B14F-4D97-AF65-F5344CB8AC3E}">
+        <p14:creationId xmlns:p14="http://schemas.microsoft.com/office/powerpoint/2010/main" val="3840077521"/>
+      </p:ext>
+    </p:extLst>
+  </p:cSld>
+  <p:clrMapOvr>
+    <a:masterClrMapping/>
+  </p:clrMapOvr>
+</p:notes>
+</file>
+
 <file path=ppt/slideLayouts/slideLayout1.xml><?xml version="1.0" encoding="utf-8"?>
 <p:sldLayout xmlns:a="http://schemas.openxmlformats.org/drawingml/2006/main" xmlns:r="http://schemas.openxmlformats.org/officeDocument/2006/relationships" xmlns:p="http://schemas.openxmlformats.org/presentationml/2006/main" type="title" preserve="1">
   <p:cSld name="Title Slide">
@@ -328,7 +764,7 @@
           <a:p>
             <a:fld id="{82085877-2B37-48E7-8B6D-4D4ED486130A}" type="datetimeFigureOut">
               <a:rPr lang="en-BE" smtClean="0"/>
-              <a:t>01/02/2023</a:t>
+              <a:t>01/15/2023</a:t>
             </a:fld>
             <a:endParaRPr lang="en-BE"/>
           </a:p>
@@ -528,7 +964,7 @@
           <a:p>
             <a:fld id="{82085877-2B37-48E7-8B6D-4D4ED486130A}" type="datetimeFigureOut">
               <a:rPr lang="en-BE" smtClean="0"/>
-              <a:t>01/02/2023</a:t>
+              <a:t>01/15/2023</a:t>
             </a:fld>
             <a:endParaRPr lang="en-BE"/>
           </a:p>
@@ -738,7 +1174,7 @@
           <a:p>
             <a:fld id="{82085877-2B37-48E7-8B6D-4D4ED486130A}" type="datetimeFigureOut">
               <a:rPr lang="en-BE" smtClean="0"/>
-              <a:t>01/02/2023</a:t>
+              <a:t>01/15/2023</a:t>
             </a:fld>
             <a:endParaRPr lang="en-BE"/>
           </a:p>
@@ -938,7 +1374,7 @@
           <a:p>
             <a:fld id="{82085877-2B37-48E7-8B6D-4D4ED486130A}" type="datetimeFigureOut">
               <a:rPr lang="en-BE" smtClean="0"/>
-              <a:t>01/02/2023</a:t>
+              <a:t>01/15/2023</a:t>
             </a:fld>
             <a:endParaRPr lang="en-BE"/>
           </a:p>
@@ -1214,7 +1650,7 @@
           <a:p>
             <a:fld id="{82085877-2B37-48E7-8B6D-4D4ED486130A}" type="datetimeFigureOut">
               <a:rPr lang="en-BE" smtClean="0"/>
-              <a:t>01/02/2023</a:t>
+              <a:t>01/15/2023</a:t>
             </a:fld>
             <a:endParaRPr lang="en-BE"/>
           </a:p>
@@ -1482,7 +1918,7 @@
           <a:p>
             <a:fld id="{82085877-2B37-48E7-8B6D-4D4ED486130A}" type="datetimeFigureOut">
               <a:rPr lang="en-BE" smtClean="0"/>
-              <a:t>01/02/2023</a:t>
+              <a:t>01/15/2023</a:t>
             </a:fld>
             <a:endParaRPr lang="en-BE"/>
           </a:p>
@@ -1897,7 +2333,7 @@
           <a:p>
             <a:fld id="{82085877-2B37-48E7-8B6D-4D4ED486130A}" type="datetimeFigureOut">
               <a:rPr lang="en-BE" smtClean="0"/>
-              <a:t>01/02/2023</a:t>
+              <a:t>01/15/2023</a:t>
             </a:fld>
             <a:endParaRPr lang="en-BE"/>
           </a:p>
@@ -2039,7 +2475,7 @@
           <a:p>
             <a:fld id="{82085877-2B37-48E7-8B6D-4D4ED486130A}" type="datetimeFigureOut">
               <a:rPr lang="en-BE" smtClean="0"/>
-              <a:t>01/02/2023</a:t>
+              <a:t>01/15/2023</a:t>
             </a:fld>
             <a:endParaRPr lang="en-BE"/>
           </a:p>
@@ -2152,7 +2588,7 @@
           <a:p>
             <a:fld id="{82085877-2B37-48E7-8B6D-4D4ED486130A}" type="datetimeFigureOut">
               <a:rPr lang="en-BE" smtClean="0"/>
-              <a:t>01/02/2023</a:t>
+              <a:t>01/15/2023</a:t>
             </a:fld>
             <a:endParaRPr lang="en-BE"/>
           </a:p>
@@ -2465,7 +2901,7 @@
           <a:p>
             <a:fld id="{82085877-2B37-48E7-8B6D-4D4ED486130A}" type="datetimeFigureOut">
               <a:rPr lang="en-BE" smtClean="0"/>
-              <a:t>01/02/2023</a:t>
+              <a:t>01/15/2023</a:t>
             </a:fld>
             <a:endParaRPr lang="en-BE"/>
           </a:p>
@@ -2754,7 +3190,7 @@
           <a:p>
             <a:fld id="{82085877-2B37-48E7-8B6D-4D4ED486130A}" type="datetimeFigureOut">
               <a:rPr lang="en-BE" smtClean="0"/>
-              <a:t>01/02/2023</a:t>
+              <a:t>01/15/2023</a:t>
             </a:fld>
             <a:endParaRPr lang="en-BE"/>
           </a:p>
@@ -2997,7 +3433,7 @@
           <a:p>
             <a:fld id="{82085877-2B37-48E7-8B6D-4D4ED486130A}" type="datetimeFigureOut">
               <a:rPr lang="en-BE" smtClean="0"/>
-              <a:t>01/02/2023</a:t>
+              <a:t>01/15/2023</a:t>
             </a:fld>
             <a:endParaRPr lang="en-BE"/>
           </a:p>
@@ -3445,10 +3881,10 @@
       </p:sp>
       <p:sp>
         <p:nvSpPr>
-          <p:cNvPr id="3" name="Subtitle 2">
-            <a:extLst>
-              <a:ext uri="{FF2B5EF4-FFF2-40B4-BE49-F238E27FC236}">
-                <a16:creationId xmlns:a16="http://schemas.microsoft.com/office/drawing/2014/main" id="{510651AA-5F60-4B6E-8386-AEA67C018DF4}"/>
+          <p:cNvPr id="5" name="Subtitle 4">
+            <a:extLst>
+              <a:ext uri="{FF2B5EF4-FFF2-40B4-BE49-F238E27FC236}">
+                <a16:creationId xmlns:a16="http://schemas.microsoft.com/office/drawing/2014/main" id="{68A09BD3-D7C4-E9FC-4403-12503D9E261E}"/>
               </a:ext>
             </a:extLst>
           </p:cNvPr>
@@ -3464,35 +3900,7 @@
           <a:bodyPr/>
           <a:lstStyle/>
           <a:p>
-            <a:r>
-              <a:rPr lang="en-US" i="1">
-                <a:solidFill>
-                  <a:schemeClr val="bg1">
-                    <a:lumMod val="75000"/>
-                  </a:schemeClr>
-                </a:solidFill>
-              </a:rPr>
-              <a:t>Delete all comments after reading</a:t>
-            </a:r>
-          </a:p>
-          <a:p>
-            <a:r>
-              <a:rPr lang="en-US" i="1">
-                <a:solidFill>
-                  <a:schemeClr val="bg1">
-                    <a:lumMod val="75000"/>
-                  </a:schemeClr>
-                </a:solidFill>
-              </a:rPr>
-              <a:t>You are not allowed to add more slides to this presentation</a:t>
-            </a:r>
-            <a:endParaRPr lang="en-BE" i="1">
-              <a:solidFill>
-                <a:schemeClr val="bg1">
-                  <a:lumMod val="75000"/>
-                </a:schemeClr>
-              </a:solidFill>
-            </a:endParaRPr>
+            <a:endParaRPr lang="en-US"/>
           </a:p>
         </p:txBody>
       </p:sp>
@@ -3548,54 +3956,223 @@
           <a:lstStyle/>
           <a:p>
             <a:r>
-              <a:rPr lang="en-US"/>
+              <a:rPr lang="en-US" dirty="0"/>
               <a:t>Decision Making</a:t>
             </a:r>
-            <a:endParaRPr lang="en-BE"/>
-          </a:p>
-        </p:txBody>
-      </p:sp>
-      <p:sp>
-        <p:nvSpPr>
-          <p:cNvPr id="3" name="Content Placeholder 2">
-            <a:extLst>
-              <a:ext uri="{FF2B5EF4-FFF2-40B4-BE49-F238E27FC236}">
-                <a16:creationId xmlns:a16="http://schemas.microsoft.com/office/drawing/2014/main" id="{64915428-ACD8-4B22-96DC-2806680ED3AB}"/>
-              </a:ext>
-            </a:extLst>
-          </p:cNvPr>
-          <p:cNvSpPr>
-            <a:spLocks noGrp="1"/>
-          </p:cNvSpPr>
-          <p:nvPr>
-            <p:ph idx="1"/>
-          </p:nvPr>
-        </p:nvSpPr>
-        <p:spPr/>
-        <p:txBody>
-          <a:bodyPr/>
-          <a:lstStyle/>
-          <a:p>
-            <a:r>
-              <a:rPr lang="en-US" i="1">
-                <a:solidFill>
-                  <a:schemeClr val="bg1">
-                    <a:lumMod val="75000"/>
-                  </a:schemeClr>
-                </a:solidFill>
-              </a:rPr>
-              <a:t>Visualization of your decision making structure (readable!)</a:t>
-            </a:r>
-            <a:endParaRPr lang="en-BE" i="1">
-              <a:solidFill>
-                <a:schemeClr val="bg1">
-                  <a:lumMod val="75000"/>
-                </a:schemeClr>
-              </a:solidFill>
-            </a:endParaRPr>
-          </a:p>
-        </p:txBody>
-      </p:sp>
+            <a:endParaRPr lang="en-BE" dirty="0"/>
+          </a:p>
+        </p:txBody>
+      </p:sp>
+      <p:pic>
+        <p:nvPicPr>
+          <p:cNvPr id="35" name="Picture 34">
+            <a:extLst>
+              <a:ext uri="{FF2B5EF4-FFF2-40B4-BE49-F238E27FC236}">
+                <a16:creationId xmlns:a16="http://schemas.microsoft.com/office/drawing/2014/main" id="{44FEA1FF-C920-DBC7-73B4-3DF67DA9DFBF}"/>
+              </a:ext>
+            </a:extLst>
+          </p:cNvPr>
+          <p:cNvPicPr>
+            <a:picLocks noChangeAspect="1"/>
+          </p:cNvPicPr>
+          <p:nvPr/>
+        </p:nvPicPr>
+        <p:blipFill>
+          <a:blip r:embed="rId2"/>
+          <a:stretch>
+            <a:fillRect/>
+          </a:stretch>
+        </p:blipFill>
+        <p:spPr>
+          <a:xfrm>
+            <a:off x="963190" y="1352081"/>
+            <a:ext cx="5799423" cy="5505919"/>
+          </a:xfrm>
+          <a:prstGeom prst="rect">
+            <a:avLst/>
+          </a:prstGeom>
+        </p:spPr>
+      </p:pic>
+      <p:pic>
+        <p:nvPicPr>
+          <p:cNvPr id="37" name="Picture 36">
+            <a:extLst>
+              <a:ext uri="{FF2B5EF4-FFF2-40B4-BE49-F238E27FC236}">
+                <a16:creationId xmlns:a16="http://schemas.microsoft.com/office/drawing/2014/main" id="{EBD6AD2A-6A5E-4E87-1366-C68EBDF5B347}"/>
+              </a:ext>
+            </a:extLst>
+          </p:cNvPr>
+          <p:cNvPicPr>
+            <a:picLocks noChangeAspect="1"/>
+          </p:cNvPicPr>
+          <p:nvPr/>
+        </p:nvPicPr>
+        <p:blipFill>
+          <a:blip r:embed="rId3"/>
+          <a:stretch>
+            <a:fillRect/>
+          </a:stretch>
+        </p:blipFill>
+        <p:spPr>
+          <a:xfrm>
+            <a:off x="1633794" y="1690688"/>
+            <a:ext cx="4991797" cy="4515480"/>
+          </a:xfrm>
+          <a:prstGeom prst="rect">
+            <a:avLst/>
+          </a:prstGeom>
+        </p:spPr>
+      </p:pic>
+      <p:pic>
+        <p:nvPicPr>
+          <p:cNvPr id="39" name="Picture 38">
+            <a:extLst>
+              <a:ext uri="{FF2B5EF4-FFF2-40B4-BE49-F238E27FC236}">
+                <a16:creationId xmlns:a16="http://schemas.microsoft.com/office/drawing/2014/main" id="{A8906BFE-B5EB-32F2-086E-EF2965B36EE4}"/>
+              </a:ext>
+            </a:extLst>
+          </p:cNvPr>
+          <p:cNvPicPr>
+            <a:picLocks noChangeAspect="1"/>
+          </p:cNvPicPr>
+          <p:nvPr/>
+        </p:nvPicPr>
+        <p:blipFill>
+          <a:blip r:embed="rId4"/>
+          <a:stretch>
+            <a:fillRect/>
+          </a:stretch>
+        </p:blipFill>
+        <p:spPr>
+          <a:xfrm>
+            <a:off x="963190" y="2256932"/>
+            <a:ext cx="8802328" cy="3696216"/>
+          </a:xfrm>
+          <a:prstGeom prst="rect">
+            <a:avLst/>
+          </a:prstGeom>
+        </p:spPr>
+      </p:pic>
+      <p:pic>
+        <p:nvPicPr>
+          <p:cNvPr id="41" name="Picture 40">
+            <a:extLst>
+              <a:ext uri="{FF2B5EF4-FFF2-40B4-BE49-F238E27FC236}">
+                <a16:creationId xmlns:a16="http://schemas.microsoft.com/office/drawing/2014/main" id="{0E49204A-3545-C851-4212-1401C7610CDA}"/>
+              </a:ext>
+            </a:extLst>
+          </p:cNvPr>
+          <p:cNvPicPr>
+            <a:picLocks noChangeAspect="1"/>
+          </p:cNvPicPr>
+          <p:nvPr/>
+        </p:nvPicPr>
+        <p:blipFill>
+          <a:blip r:embed="rId5"/>
+          <a:stretch>
+            <a:fillRect/>
+          </a:stretch>
+        </p:blipFill>
+        <p:spPr>
+          <a:xfrm>
+            <a:off x="1059939" y="2256932"/>
+            <a:ext cx="8536352" cy="3056637"/>
+          </a:xfrm>
+          <a:prstGeom prst="rect">
+            <a:avLst/>
+          </a:prstGeom>
+        </p:spPr>
+      </p:pic>
+      <p:pic>
+        <p:nvPicPr>
+          <p:cNvPr id="43" name="Picture 42">
+            <a:extLst>
+              <a:ext uri="{FF2B5EF4-FFF2-40B4-BE49-F238E27FC236}">
+                <a16:creationId xmlns:a16="http://schemas.microsoft.com/office/drawing/2014/main" id="{8CB6FC0D-306F-84A6-7E84-D1EB7B7D7C3D}"/>
+              </a:ext>
+            </a:extLst>
+          </p:cNvPr>
+          <p:cNvPicPr>
+            <a:picLocks noChangeAspect="1"/>
+          </p:cNvPicPr>
+          <p:nvPr/>
+        </p:nvPicPr>
+        <p:blipFill>
+          <a:blip r:embed="rId6"/>
+          <a:stretch>
+            <a:fillRect/>
+          </a:stretch>
+        </p:blipFill>
+        <p:spPr>
+          <a:xfrm>
+            <a:off x="1922985" y="2232458"/>
+            <a:ext cx="7135221" cy="3105583"/>
+          </a:xfrm>
+          <a:prstGeom prst="rect">
+            <a:avLst/>
+          </a:prstGeom>
+        </p:spPr>
+      </p:pic>
+      <p:pic>
+        <p:nvPicPr>
+          <p:cNvPr id="47" name="Picture 46">
+            <a:extLst>
+              <a:ext uri="{FF2B5EF4-FFF2-40B4-BE49-F238E27FC236}">
+                <a16:creationId xmlns:a16="http://schemas.microsoft.com/office/drawing/2014/main" id="{C844F497-D9D8-5350-3AFD-D4BAEC8AC0EB}"/>
+              </a:ext>
+            </a:extLst>
+          </p:cNvPr>
+          <p:cNvPicPr>
+            <a:picLocks noChangeAspect="1"/>
+          </p:cNvPicPr>
+          <p:nvPr/>
+        </p:nvPicPr>
+        <p:blipFill>
+          <a:blip r:embed="rId7"/>
+          <a:stretch>
+            <a:fillRect/>
+          </a:stretch>
+        </p:blipFill>
+        <p:spPr>
+          <a:xfrm>
+            <a:off x="1863210" y="2396263"/>
+            <a:ext cx="7373379" cy="3115110"/>
+          </a:xfrm>
+          <a:prstGeom prst="rect">
+            <a:avLst/>
+          </a:prstGeom>
+        </p:spPr>
+      </p:pic>
+      <p:pic>
+        <p:nvPicPr>
+          <p:cNvPr id="49" name="Picture 48">
+            <a:extLst>
+              <a:ext uri="{FF2B5EF4-FFF2-40B4-BE49-F238E27FC236}">
+                <a16:creationId xmlns:a16="http://schemas.microsoft.com/office/drawing/2014/main" id="{7E00238A-AF82-39BB-752C-D80F17EA56AC}"/>
+              </a:ext>
+            </a:extLst>
+          </p:cNvPr>
+          <p:cNvPicPr>
+            <a:picLocks noChangeAspect="1"/>
+          </p:cNvPicPr>
+          <p:nvPr/>
+        </p:nvPicPr>
+        <p:blipFill>
+          <a:blip r:embed="rId8"/>
+          <a:stretch>
+            <a:fillRect/>
+          </a:stretch>
+        </p:blipFill>
+        <p:spPr>
+          <a:xfrm>
+            <a:off x="0" y="1462825"/>
+            <a:ext cx="12192000" cy="5106597"/>
+          </a:xfrm>
+          <a:prstGeom prst="rect">
+            <a:avLst/>
+          </a:prstGeom>
+        </p:spPr>
+      </p:pic>
     </p:spTree>
     <p:extLst>
       <p:ext uri="{BB962C8B-B14F-4D97-AF65-F5344CB8AC3E}">
@@ -3606,12 +4183,680 @@
   <p:clrMapOvr>
     <a:masterClrMapping/>
   </p:clrMapOvr>
+  <p:timing>
+    <p:tnLst>
+      <p:par>
+        <p:cTn id="1" dur="indefinite" restart="never" nodeType="tmRoot">
+          <p:childTnLst>
+            <p:seq concurrent="1" nextAc="seek">
+              <p:cTn id="2" dur="indefinite" nodeType="mainSeq">
+                <p:childTnLst>
+                  <p:par>
+                    <p:cTn id="3" fill="hold">
+                      <p:stCondLst>
+                        <p:cond delay="indefinite"/>
+                      </p:stCondLst>
+                      <p:childTnLst>
+                        <p:par>
+                          <p:cTn id="4" fill="hold">
+                            <p:stCondLst>
+                              <p:cond delay="0"/>
+                            </p:stCondLst>
+                            <p:childTnLst>
+                              <p:par>
+                                <p:cTn id="5" presetID="1" presetClass="entr" presetSubtype="0" fill="hold" nodeType="clickEffect">
+                                  <p:stCondLst>
+                                    <p:cond delay="0"/>
+                                  </p:stCondLst>
+                                  <p:childTnLst>
+                                    <p:set>
+                                      <p:cBhvr>
+                                        <p:cTn id="6" dur="1" fill="hold">
+                                          <p:stCondLst>
+                                            <p:cond delay="0"/>
+                                          </p:stCondLst>
+                                        </p:cTn>
+                                        <p:tgtEl>
+                                          <p:spTgt spid="35"/>
+                                        </p:tgtEl>
+                                        <p:attrNameLst>
+                                          <p:attrName>style.visibility</p:attrName>
+                                        </p:attrNameLst>
+                                      </p:cBhvr>
+                                      <p:to>
+                                        <p:strVal val="visible"/>
+                                      </p:to>
+                                    </p:set>
+                                  </p:childTnLst>
+                                </p:cTn>
+                              </p:par>
+                            </p:childTnLst>
+                          </p:cTn>
+                        </p:par>
+                      </p:childTnLst>
+                    </p:cTn>
+                  </p:par>
+                  <p:par>
+                    <p:cTn id="7" fill="hold">
+                      <p:stCondLst>
+                        <p:cond delay="indefinite"/>
+                      </p:stCondLst>
+                      <p:childTnLst>
+                        <p:par>
+                          <p:cTn id="8" fill="hold">
+                            <p:stCondLst>
+                              <p:cond delay="0"/>
+                            </p:stCondLst>
+                            <p:childTnLst>
+                              <p:par>
+                                <p:cTn id="9" presetID="1" presetClass="exit" presetSubtype="0" fill="hold" nodeType="clickEffect">
+                                  <p:stCondLst>
+                                    <p:cond delay="0"/>
+                                  </p:stCondLst>
+                                  <p:childTnLst>
+                                    <p:set>
+                                      <p:cBhvr>
+                                        <p:cTn id="10" dur="1" fill="hold">
+                                          <p:stCondLst>
+                                            <p:cond delay="0"/>
+                                          </p:stCondLst>
+                                        </p:cTn>
+                                        <p:tgtEl>
+                                          <p:spTgt spid="35"/>
+                                        </p:tgtEl>
+                                        <p:attrNameLst>
+                                          <p:attrName>style.visibility</p:attrName>
+                                        </p:attrNameLst>
+                                      </p:cBhvr>
+                                      <p:to>
+                                        <p:strVal val="hidden"/>
+                                      </p:to>
+                                    </p:set>
+                                  </p:childTnLst>
+                                </p:cTn>
+                              </p:par>
+                            </p:childTnLst>
+                          </p:cTn>
+                        </p:par>
+                      </p:childTnLst>
+                    </p:cTn>
+                  </p:par>
+                  <p:par>
+                    <p:cTn id="11" fill="hold">
+                      <p:stCondLst>
+                        <p:cond delay="indefinite"/>
+                      </p:stCondLst>
+                      <p:childTnLst>
+                        <p:par>
+                          <p:cTn id="12" fill="hold">
+                            <p:stCondLst>
+                              <p:cond delay="0"/>
+                            </p:stCondLst>
+                            <p:childTnLst>
+                              <p:par>
+                                <p:cTn id="13" presetID="1" presetClass="entr" presetSubtype="0" fill="hold" nodeType="clickEffect">
+                                  <p:stCondLst>
+                                    <p:cond delay="0"/>
+                                  </p:stCondLst>
+                                  <p:childTnLst>
+                                    <p:set>
+                                      <p:cBhvr>
+                                        <p:cTn id="14" dur="1" fill="hold">
+                                          <p:stCondLst>
+                                            <p:cond delay="0"/>
+                                          </p:stCondLst>
+                                        </p:cTn>
+                                        <p:tgtEl>
+                                          <p:spTgt spid="37"/>
+                                        </p:tgtEl>
+                                        <p:attrNameLst>
+                                          <p:attrName>style.visibility</p:attrName>
+                                        </p:attrNameLst>
+                                      </p:cBhvr>
+                                      <p:to>
+                                        <p:strVal val="visible"/>
+                                      </p:to>
+                                    </p:set>
+                                  </p:childTnLst>
+                                </p:cTn>
+                              </p:par>
+                            </p:childTnLst>
+                          </p:cTn>
+                        </p:par>
+                      </p:childTnLst>
+                    </p:cTn>
+                  </p:par>
+                  <p:par>
+                    <p:cTn id="15" fill="hold">
+                      <p:stCondLst>
+                        <p:cond delay="indefinite"/>
+                      </p:stCondLst>
+                      <p:childTnLst>
+                        <p:par>
+                          <p:cTn id="16" fill="hold">
+                            <p:stCondLst>
+                              <p:cond delay="0"/>
+                            </p:stCondLst>
+                            <p:childTnLst>
+                              <p:par>
+                                <p:cTn id="17" presetID="1" presetClass="exit" presetSubtype="0" fill="hold" nodeType="clickEffect">
+                                  <p:stCondLst>
+                                    <p:cond delay="0"/>
+                                  </p:stCondLst>
+                                  <p:childTnLst>
+                                    <p:set>
+                                      <p:cBhvr>
+                                        <p:cTn id="18" dur="1" fill="hold">
+                                          <p:stCondLst>
+                                            <p:cond delay="0"/>
+                                          </p:stCondLst>
+                                        </p:cTn>
+                                        <p:tgtEl>
+                                          <p:spTgt spid="37"/>
+                                        </p:tgtEl>
+                                        <p:attrNameLst>
+                                          <p:attrName>style.visibility</p:attrName>
+                                        </p:attrNameLst>
+                                      </p:cBhvr>
+                                      <p:to>
+                                        <p:strVal val="hidden"/>
+                                      </p:to>
+                                    </p:set>
+                                  </p:childTnLst>
+                                </p:cTn>
+                              </p:par>
+                            </p:childTnLst>
+                          </p:cTn>
+                        </p:par>
+                      </p:childTnLst>
+                    </p:cTn>
+                  </p:par>
+                  <p:par>
+                    <p:cTn id="19" fill="hold">
+                      <p:stCondLst>
+                        <p:cond delay="indefinite"/>
+                      </p:stCondLst>
+                      <p:childTnLst>
+                        <p:par>
+                          <p:cTn id="20" fill="hold">
+                            <p:stCondLst>
+                              <p:cond delay="0"/>
+                            </p:stCondLst>
+                            <p:childTnLst>
+                              <p:par>
+                                <p:cTn id="21" presetID="1" presetClass="entr" presetSubtype="0" fill="hold" nodeType="clickEffect">
+                                  <p:stCondLst>
+                                    <p:cond delay="0"/>
+                                  </p:stCondLst>
+                                  <p:childTnLst>
+                                    <p:set>
+                                      <p:cBhvr>
+                                        <p:cTn id="22" dur="1" fill="hold">
+                                          <p:stCondLst>
+                                            <p:cond delay="0"/>
+                                          </p:stCondLst>
+                                        </p:cTn>
+                                        <p:tgtEl>
+                                          <p:spTgt spid="39"/>
+                                        </p:tgtEl>
+                                        <p:attrNameLst>
+                                          <p:attrName>style.visibility</p:attrName>
+                                        </p:attrNameLst>
+                                      </p:cBhvr>
+                                      <p:to>
+                                        <p:strVal val="visible"/>
+                                      </p:to>
+                                    </p:set>
+                                  </p:childTnLst>
+                                </p:cTn>
+                              </p:par>
+                            </p:childTnLst>
+                          </p:cTn>
+                        </p:par>
+                      </p:childTnLst>
+                    </p:cTn>
+                  </p:par>
+                  <p:par>
+                    <p:cTn id="23" fill="hold">
+                      <p:stCondLst>
+                        <p:cond delay="indefinite"/>
+                      </p:stCondLst>
+                      <p:childTnLst>
+                        <p:par>
+                          <p:cTn id="24" fill="hold">
+                            <p:stCondLst>
+                              <p:cond delay="0"/>
+                            </p:stCondLst>
+                            <p:childTnLst>
+                              <p:par>
+                                <p:cTn id="25" presetID="1" presetClass="exit" presetSubtype="0" fill="hold" nodeType="clickEffect">
+                                  <p:stCondLst>
+                                    <p:cond delay="0"/>
+                                  </p:stCondLst>
+                                  <p:childTnLst>
+                                    <p:set>
+                                      <p:cBhvr>
+                                        <p:cTn id="26" dur="1" fill="hold">
+                                          <p:stCondLst>
+                                            <p:cond delay="0"/>
+                                          </p:stCondLst>
+                                        </p:cTn>
+                                        <p:tgtEl>
+                                          <p:spTgt spid="39"/>
+                                        </p:tgtEl>
+                                        <p:attrNameLst>
+                                          <p:attrName>style.visibility</p:attrName>
+                                        </p:attrNameLst>
+                                      </p:cBhvr>
+                                      <p:to>
+                                        <p:strVal val="hidden"/>
+                                      </p:to>
+                                    </p:set>
+                                  </p:childTnLst>
+                                </p:cTn>
+                              </p:par>
+                            </p:childTnLst>
+                          </p:cTn>
+                        </p:par>
+                      </p:childTnLst>
+                    </p:cTn>
+                  </p:par>
+                  <p:par>
+                    <p:cTn id="27" fill="hold">
+                      <p:stCondLst>
+                        <p:cond delay="indefinite"/>
+                      </p:stCondLst>
+                      <p:childTnLst>
+                        <p:par>
+                          <p:cTn id="28" fill="hold">
+                            <p:stCondLst>
+                              <p:cond delay="0"/>
+                            </p:stCondLst>
+                            <p:childTnLst>
+                              <p:par>
+                                <p:cTn id="29" presetID="1" presetClass="entr" presetSubtype="0" fill="hold" nodeType="clickEffect">
+                                  <p:stCondLst>
+                                    <p:cond delay="0"/>
+                                  </p:stCondLst>
+                                  <p:childTnLst>
+                                    <p:set>
+                                      <p:cBhvr>
+                                        <p:cTn id="30" dur="1" fill="hold">
+                                          <p:stCondLst>
+                                            <p:cond delay="0"/>
+                                          </p:stCondLst>
+                                        </p:cTn>
+                                        <p:tgtEl>
+                                          <p:spTgt spid="41"/>
+                                        </p:tgtEl>
+                                        <p:attrNameLst>
+                                          <p:attrName>style.visibility</p:attrName>
+                                        </p:attrNameLst>
+                                      </p:cBhvr>
+                                      <p:to>
+                                        <p:strVal val="visible"/>
+                                      </p:to>
+                                    </p:set>
+                                  </p:childTnLst>
+                                </p:cTn>
+                              </p:par>
+                            </p:childTnLst>
+                          </p:cTn>
+                        </p:par>
+                      </p:childTnLst>
+                    </p:cTn>
+                  </p:par>
+                  <p:par>
+                    <p:cTn id="31" fill="hold">
+                      <p:stCondLst>
+                        <p:cond delay="indefinite"/>
+                      </p:stCondLst>
+                      <p:childTnLst>
+                        <p:par>
+                          <p:cTn id="32" fill="hold">
+                            <p:stCondLst>
+                              <p:cond delay="0"/>
+                            </p:stCondLst>
+                            <p:childTnLst>
+                              <p:par>
+                                <p:cTn id="33" presetID="1" presetClass="exit" presetSubtype="0" fill="hold" nodeType="clickEffect">
+                                  <p:stCondLst>
+                                    <p:cond delay="0"/>
+                                  </p:stCondLst>
+                                  <p:childTnLst>
+                                    <p:set>
+                                      <p:cBhvr>
+                                        <p:cTn id="34" dur="1" fill="hold">
+                                          <p:stCondLst>
+                                            <p:cond delay="0"/>
+                                          </p:stCondLst>
+                                        </p:cTn>
+                                        <p:tgtEl>
+                                          <p:spTgt spid="41"/>
+                                        </p:tgtEl>
+                                        <p:attrNameLst>
+                                          <p:attrName>style.visibility</p:attrName>
+                                        </p:attrNameLst>
+                                      </p:cBhvr>
+                                      <p:to>
+                                        <p:strVal val="hidden"/>
+                                      </p:to>
+                                    </p:set>
+                                  </p:childTnLst>
+                                </p:cTn>
+                              </p:par>
+                            </p:childTnLst>
+                          </p:cTn>
+                        </p:par>
+                      </p:childTnLst>
+                    </p:cTn>
+                  </p:par>
+                  <p:par>
+                    <p:cTn id="35" fill="hold">
+                      <p:stCondLst>
+                        <p:cond delay="indefinite"/>
+                      </p:stCondLst>
+                      <p:childTnLst>
+                        <p:par>
+                          <p:cTn id="36" fill="hold">
+                            <p:stCondLst>
+                              <p:cond delay="0"/>
+                            </p:stCondLst>
+                            <p:childTnLst>
+                              <p:par>
+                                <p:cTn id="37" presetID="1" presetClass="entr" presetSubtype="0" fill="hold" nodeType="clickEffect">
+                                  <p:stCondLst>
+                                    <p:cond delay="0"/>
+                                  </p:stCondLst>
+                                  <p:childTnLst>
+                                    <p:set>
+                                      <p:cBhvr>
+                                        <p:cTn id="38" dur="1" fill="hold">
+                                          <p:stCondLst>
+                                            <p:cond delay="0"/>
+                                          </p:stCondLst>
+                                        </p:cTn>
+                                        <p:tgtEl>
+                                          <p:spTgt spid="43"/>
+                                        </p:tgtEl>
+                                        <p:attrNameLst>
+                                          <p:attrName>style.visibility</p:attrName>
+                                        </p:attrNameLst>
+                                      </p:cBhvr>
+                                      <p:to>
+                                        <p:strVal val="visible"/>
+                                      </p:to>
+                                    </p:set>
+                                  </p:childTnLst>
+                                </p:cTn>
+                              </p:par>
+                            </p:childTnLst>
+                          </p:cTn>
+                        </p:par>
+                      </p:childTnLst>
+                    </p:cTn>
+                  </p:par>
+                  <p:par>
+                    <p:cTn id="39" fill="hold">
+                      <p:stCondLst>
+                        <p:cond delay="indefinite"/>
+                      </p:stCondLst>
+                      <p:childTnLst>
+                        <p:par>
+                          <p:cTn id="40" fill="hold">
+                            <p:stCondLst>
+                              <p:cond delay="0"/>
+                            </p:stCondLst>
+                            <p:childTnLst>
+                              <p:par>
+                                <p:cTn id="41" presetID="1" presetClass="exit" presetSubtype="0" fill="hold" nodeType="clickEffect">
+                                  <p:stCondLst>
+                                    <p:cond delay="0"/>
+                                  </p:stCondLst>
+                                  <p:childTnLst>
+                                    <p:set>
+                                      <p:cBhvr>
+                                        <p:cTn id="42" dur="1" fill="hold">
+                                          <p:stCondLst>
+                                            <p:cond delay="0"/>
+                                          </p:stCondLst>
+                                        </p:cTn>
+                                        <p:tgtEl>
+                                          <p:spTgt spid="43"/>
+                                        </p:tgtEl>
+                                        <p:attrNameLst>
+                                          <p:attrName>style.visibility</p:attrName>
+                                        </p:attrNameLst>
+                                      </p:cBhvr>
+                                      <p:to>
+                                        <p:strVal val="hidden"/>
+                                      </p:to>
+                                    </p:set>
+                                  </p:childTnLst>
+                                </p:cTn>
+                              </p:par>
+                            </p:childTnLst>
+                          </p:cTn>
+                        </p:par>
+                      </p:childTnLst>
+                    </p:cTn>
+                  </p:par>
+                  <p:par>
+                    <p:cTn id="43" fill="hold">
+                      <p:stCondLst>
+                        <p:cond delay="indefinite"/>
+                      </p:stCondLst>
+                      <p:childTnLst>
+                        <p:par>
+                          <p:cTn id="44" fill="hold">
+                            <p:stCondLst>
+                              <p:cond delay="0"/>
+                            </p:stCondLst>
+                            <p:childTnLst>
+                              <p:par>
+                                <p:cTn id="45" presetID="1" presetClass="entr" presetSubtype="0" fill="hold" nodeType="clickEffect">
+                                  <p:stCondLst>
+                                    <p:cond delay="0"/>
+                                  </p:stCondLst>
+                                  <p:childTnLst>
+                                    <p:set>
+                                      <p:cBhvr>
+                                        <p:cTn id="46" dur="1" fill="hold">
+                                          <p:stCondLst>
+                                            <p:cond delay="0"/>
+                                          </p:stCondLst>
+                                        </p:cTn>
+                                        <p:tgtEl>
+                                          <p:spTgt spid="47"/>
+                                        </p:tgtEl>
+                                        <p:attrNameLst>
+                                          <p:attrName>style.visibility</p:attrName>
+                                        </p:attrNameLst>
+                                      </p:cBhvr>
+                                      <p:to>
+                                        <p:strVal val="visible"/>
+                                      </p:to>
+                                    </p:set>
+                                  </p:childTnLst>
+                                </p:cTn>
+                              </p:par>
+                            </p:childTnLst>
+                          </p:cTn>
+                        </p:par>
+                      </p:childTnLst>
+                    </p:cTn>
+                  </p:par>
+                  <p:par>
+                    <p:cTn id="47" fill="hold">
+                      <p:stCondLst>
+                        <p:cond delay="indefinite"/>
+                      </p:stCondLst>
+                      <p:childTnLst>
+                        <p:par>
+                          <p:cTn id="48" fill="hold">
+                            <p:stCondLst>
+                              <p:cond delay="0"/>
+                            </p:stCondLst>
+                            <p:childTnLst>
+                              <p:par>
+                                <p:cTn id="49" presetID="1" presetClass="exit" presetSubtype="0" fill="hold" nodeType="clickEffect">
+                                  <p:stCondLst>
+                                    <p:cond delay="0"/>
+                                  </p:stCondLst>
+                                  <p:childTnLst>
+                                    <p:set>
+                                      <p:cBhvr>
+                                        <p:cTn id="50" dur="1" fill="hold">
+                                          <p:stCondLst>
+                                            <p:cond delay="0"/>
+                                          </p:stCondLst>
+                                        </p:cTn>
+                                        <p:tgtEl>
+                                          <p:spTgt spid="47"/>
+                                        </p:tgtEl>
+                                        <p:attrNameLst>
+                                          <p:attrName>style.visibility</p:attrName>
+                                        </p:attrNameLst>
+                                      </p:cBhvr>
+                                      <p:to>
+                                        <p:strVal val="hidden"/>
+                                      </p:to>
+                                    </p:set>
+                                  </p:childTnLst>
+                                </p:cTn>
+                              </p:par>
+                            </p:childTnLst>
+                          </p:cTn>
+                        </p:par>
+                      </p:childTnLst>
+                    </p:cTn>
+                  </p:par>
+                  <p:par>
+                    <p:cTn id="51" fill="hold">
+                      <p:stCondLst>
+                        <p:cond delay="indefinite"/>
+                      </p:stCondLst>
+                      <p:childTnLst>
+                        <p:par>
+                          <p:cTn id="52" fill="hold">
+                            <p:stCondLst>
+                              <p:cond delay="0"/>
+                            </p:stCondLst>
+                            <p:childTnLst>
+                              <p:par>
+                                <p:cTn id="53" presetID="1" presetClass="entr" presetSubtype="0" fill="hold" nodeType="clickEffect">
+                                  <p:stCondLst>
+                                    <p:cond delay="0"/>
+                                  </p:stCondLst>
+                                  <p:childTnLst>
+                                    <p:set>
+                                      <p:cBhvr>
+                                        <p:cTn id="54" dur="1" fill="hold">
+                                          <p:stCondLst>
+                                            <p:cond delay="0"/>
+                                          </p:stCondLst>
+                                        </p:cTn>
+                                        <p:tgtEl>
+                                          <p:spTgt spid="49"/>
+                                        </p:tgtEl>
+                                        <p:attrNameLst>
+                                          <p:attrName>style.visibility</p:attrName>
+                                        </p:attrNameLst>
+                                      </p:cBhvr>
+                                      <p:to>
+                                        <p:strVal val="visible"/>
+                                      </p:to>
+                                    </p:set>
+                                  </p:childTnLst>
+                                </p:cTn>
+                              </p:par>
+                            </p:childTnLst>
+                          </p:cTn>
+                        </p:par>
+                      </p:childTnLst>
+                    </p:cTn>
+                  </p:par>
+                  <p:par>
+                    <p:cTn id="55" fill="hold">
+                      <p:stCondLst>
+                        <p:cond delay="indefinite"/>
+                      </p:stCondLst>
+                      <p:childTnLst>
+                        <p:par>
+                          <p:cTn id="56" fill="hold">
+                            <p:stCondLst>
+                              <p:cond delay="0"/>
+                            </p:stCondLst>
+                            <p:childTnLst>
+                              <p:par>
+                                <p:cTn id="57" presetID="1" presetClass="exit" presetSubtype="0" fill="hold" nodeType="clickEffect">
+                                  <p:stCondLst>
+                                    <p:cond delay="0"/>
+                                  </p:stCondLst>
+                                  <p:childTnLst>
+                                    <p:set>
+                                      <p:cBhvr>
+                                        <p:cTn id="58" dur="1" fill="hold">
+                                          <p:stCondLst>
+                                            <p:cond delay="0"/>
+                                          </p:stCondLst>
+                                        </p:cTn>
+                                        <p:tgtEl>
+                                          <p:spTgt spid="49"/>
+                                        </p:tgtEl>
+                                        <p:attrNameLst>
+                                          <p:attrName>style.visibility</p:attrName>
+                                        </p:attrNameLst>
+                                      </p:cBhvr>
+                                      <p:to>
+                                        <p:strVal val="hidden"/>
+                                      </p:to>
+                                    </p:set>
+                                  </p:childTnLst>
+                                </p:cTn>
+                              </p:par>
+                            </p:childTnLst>
+                          </p:cTn>
+                        </p:par>
+                      </p:childTnLst>
+                    </p:cTn>
+                  </p:par>
+                </p:childTnLst>
+              </p:cTn>
+              <p:prevCondLst>
+                <p:cond evt="onPrev" delay="0">
+                  <p:tgtEl>
+                    <p:sldTgt/>
+                  </p:tgtEl>
+                </p:cond>
+              </p:prevCondLst>
+              <p:nextCondLst>
+                <p:cond evt="onNext" delay="0">
+                  <p:tgtEl>
+                    <p:sldTgt/>
+                  </p:tgtEl>
+                </p:cond>
+              </p:nextCondLst>
+            </p:seq>
+          </p:childTnLst>
+        </p:cTn>
+      </p:par>
+    </p:tnLst>
+  </p:timing>
 </p:sld>
 </file>
 
 <file path=ppt/slides/slide3.xml><?xml version="1.0" encoding="utf-8"?>
 <p:sld xmlns:a="http://schemas.openxmlformats.org/drawingml/2006/main" xmlns:r="http://schemas.openxmlformats.org/officeDocument/2006/relationships" xmlns:p="http://schemas.openxmlformats.org/presentationml/2006/main">
   <p:cSld>
+    <p:bg>
+      <p:bgPr>
+        <a:solidFill>
+          <a:schemeClr val="bg1"/>
+        </a:solidFill>
+        <a:effectLst/>
+      </p:bgPr>
+    </p:bg>
     <p:spTree>
       <p:nvGrpSpPr>
         <p:cNvPr id="1" name=""/>
@@ -3626,6 +4871,66 @@
           <a:chExt cx="0" cy="0"/>
         </a:xfrm>
       </p:grpSpPr>
+      <p:sp useBgFill="1">
+        <p:nvSpPr>
+          <p:cNvPr id="12" name="Rectangle 11">
+            <a:extLst>
+              <a:ext uri="{FF2B5EF4-FFF2-40B4-BE49-F238E27FC236}">
+                <a16:creationId xmlns:a16="http://schemas.microsoft.com/office/drawing/2014/main" id="{2B97F24A-32CE-4C1C-A50D-3016B394DCFB}"/>
+              </a:ext>
+              <a:ext uri="{C183D7F6-B498-43B3-948B-1728B52AA6E4}">
+                <adec:decorative xmlns:adec="http://schemas.microsoft.com/office/drawing/2017/decorative" val="1"/>
+              </a:ext>
+            </a:extLst>
+          </p:cNvPr>
+          <p:cNvSpPr>
+            <a:spLocks noGrp="1" noRot="1" noChangeAspect="1" noMove="1" noResize="1" noEditPoints="1" noAdjustHandles="1" noChangeArrowheads="1" noChangeShapeType="1" noTextEdit="1"/>
+          </p:cNvSpPr>
+          <p:nvPr>
+            <p:extLst>
+              <p:ext uri="{386F3935-93C4-4BCD-93E2-E3B085C9AB24}">
+                <p16:designElem xmlns:p16="http://schemas.microsoft.com/office/powerpoint/2015/main" val="1"/>
+              </p:ext>
+            </p:extLst>
+          </p:nvPr>
+        </p:nvSpPr>
+        <p:spPr>
+          <a:xfrm>
+            <a:off x="0" y="0"/>
+            <a:ext cx="12192000" cy="6858000"/>
+          </a:xfrm>
+          <a:prstGeom prst="rect">
+            <a:avLst/>
+          </a:prstGeom>
+          <a:ln>
+            <a:noFill/>
+          </a:ln>
+        </p:spPr>
+        <p:style>
+          <a:lnRef idx="2">
+            <a:schemeClr val="accent1">
+              <a:shade val="50000"/>
+            </a:schemeClr>
+          </a:lnRef>
+          <a:fillRef idx="1">
+            <a:schemeClr val="accent1"/>
+          </a:fillRef>
+          <a:effectRef idx="0">
+            <a:schemeClr val="accent1"/>
+          </a:effectRef>
+          <a:fontRef idx="minor">
+            <a:schemeClr val="lt1"/>
+          </a:fontRef>
+        </p:style>
+        <p:txBody>
+          <a:bodyPr rtlCol="0" anchor="ctr"/>
+          <a:lstStyle/>
+          <a:p>
+            <a:pPr algn="ctr"/>
+            <a:endParaRPr lang="en-US"/>
+          </a:p>
+        </p:txBody>
+      </p:sp>
       <p:sp>
         <p:nvSpPr>
           <p:cNvPr id="2" name="Title 1">
@@ -3642,16 +4947,296 @@
             <p:ph type="title"/>
           </p:nvPr>
         </p:nvSpPr>
-        <p:spPr/>
-        <p:txBody>
-          <a:bodyPr/>
+        <p:spPr>
+          <a:xfrm>
+            <a:off x="630936" y="639520"/>
+            <a:ext cx="3429000" cy="1719072"/>
+          </a:xfrm>
+        </p:spPr>
+        <p:txBody>
+          <a:bodyPr anchor="b">
+            <a:normAutofit/>
+          </a:bodyPr>
           <a:lstStyle/>
           <a:p>
             <a:r>
-              <a:rPr lang="en-US"/>
+              <a:rPr lang="en-US" sz="5400"/>
               <a:t>Enemy handling</a:t>
             </a:r>
-            <a:endParaRPr lang="en-BE"/>
+            <a:endParaRPr lang="en-BE" sz="5400"/>
+          </a:p>
+        </p:txBody>
+      </p:sp>
+      <p:sp>
+        <p:nvSpPr>
+          <p:cNvPr id="14" name="sketch line">
+            <a:extLst>
+              <a:ext uri="{FF2B5EF4-FFF2-40B4-BE49-F238E27FC236}">
+                <a16:creationId xmlns:a16="http://schemas.microsoft.com/office/drawing/2014/main" id="{CD8B4F24-440B-49E9-B85D-733523DC064B}"/>
+              </a:ext>
+              <a:ext uri="{C183D7F6-B498-43B3-948B-1728B52AA6E4}">
+                <adec:decorative xmlns:adec="http://schemas.microsoft.com/office/drawing/2017/decorative" val="1"/>
+              </a:ext>
+            </a:extLst>
+          </p:cNvPr>
+          <p:cNvSpPr>
+            <a:spLocks noGrp="1" noRot="1" noChangeAspect="1" noMove="1" noResize="1" noEditPoints="1" noAdjustHandles="1" noChangeArrowheads="1" noChangeShapeType="1" noTextEdit="1"/>
+          </p:cNvSpPr>
+          <p:nvPr>
+            <p:extLst>
+              <p:ext uri="{386F3935-93C4-4BCD-93E2-E3B085C9AB24}">
+                <p16:designElem xmlns:p16="http://schemas.microsoft.com/office/powerpoint/2015/main" val="1"/>
+              </p:ext>
+            </p:extLst>
+          </p:nvPr>
+        </p:nvSpPr>
+        <p:spPr>
+          <a:xfrm>
+            <a:off x="643278" y="2573756"/>
+            <a:ext cx="3255095" cy="18288"/>
+          </a:xfrm>
+          <a:custGeom>
+            <a:avLst/>
+            <a:gdLst>
+              <a:gd name="connsiteX0" fmla="*/ 0 w 3255095"/>
+              <a:gd name="connsiteY0" fmla="*/ 0 h 18288"/>
+              <a:gd name="connsiteX1" fmla="*/ 618468 w 3255095"/>
+              <a:gd name="connsiteY1" fmla="*/ 0 h 18288"/>
+              <a:gd name="connsiteX2" fmla="*/ 1269487 w 3255095"/>
+              <a:gd name="connsiteY2" fmla="*/ 0 h 18288"/>
+              <a:gd name="connsiteX3" fmla="*/ 1953057 w 3255095"/>
+              <a:gd name="connsiteY3" fmla="*/ 0 h 18288"/>
+              <a:gd name="connsiteX4" fmla="*/ 2636627 w 3255095"/>
+              <a:gd name="connsiteY4" fmla="*/ 0 h 18288"/>
+              <a:gd name="connsiteX5" fmla="*/ 3255095 w 3255095"/>
+              <a:gd name="connsiteY5" fmla="*/ 0 h 18288"/>
+              <a:gd name="connsiteX6" fmla="*/ 3255095 w 3255095"/>
+              <a:gd name="connsiteY6" fmla="*/ 18288 h 18288"/>
+              <a:gd name="connsiteX7" fmla="*/ 2538974 w 3255095"/>
+              <a:gd name="connsiteY7" fmla="*/ 18288 h 18288"/>
+              <a:gd name="connsiteX8" fmla="*/ 1822853 w 3255095"/>
+              <a:gd name="connsiteY8" fmla="*/ 18288 h 18288"/>
+              <a:gd name="connsiteX9" fmla="*/ 1171834 w 3255095"/>
+              <a:gd name="connsiteY9" fmla="*/ 18288 h 18288"/>
+              <a:gd name="connsiteX10" fmla="*/ 0 w 3255095"/>
+              <a:gd name="connsiteY10" fmla="*/ 18288 h 18288"/>
+              <a:gd name="connsiteX11" fmla="*/ 0 w 3255095"/>
+              <a:gd name="connsiteY11" fmla="*/ 0 h 18288"/>
+            </a:gdLst>
+            <a:ahLst/>
+            <a:cxnLst>
+              <a:cxn ang="0">
+                <a:pos x="connsiteX0" y="connsiteY0"/>
+              </a:cxn>
+              <a:cxn ang="0">
+                <a:pos x="connsiteX1" y="connsiteY1"/>
+              </a:cxn>
+              <a:cxn ang="0">
+                <a:pos x="connsiteX2" y="connsiteY2"/>
+              </a:cxn>
+              <a:cxn ang="0">
+                <a:pos x="connsiteX3" y="connsiteY3"/>
+              </a:cxn>
+              <a:cxn ang="0">
+                <a:pos x="connsiteX4" y="connsiteY4"/>
+              </a:cxn>
+              <a:cxn ang="0">
+                <a:pos x="connsiteX5" y="connsiteY5"/>
+              </a:cxn>
+              <a:cxn ang="0">
+                <a:pos x="connsiteX6" y="connsiteY6"/>
+              </a:cxn>
+              <a:cxn ang="0">
+                <a:pos x="connsiteX7" y="connsiteY7"/>
+              </a:cxn>
+              <a:cxn ang="0">
+                <a:pos x="connsiteX8" y="connsiteY8"/>
+              </a:cxn>
+              <a:cxn ang="0">
+                <a:pos x="connsiteX9" y="connsiteY9"/>
+              </a:cxn>
+              <a:cxn ang="0">
+                <a:pos x="connsiteX10" y="connsiteY10"/>
+              </a:cxn>
+              <a:cxn ang="0">
+                <a:pos x="connsiteX11" y="connsiteY11"/>
+              </a:cxn>
+            </a:cxnLst>
+            <a:rect l="l" t="t" r="r" b="b"/>
+            <a:pathLst>
+              <a:path w="3255095" h="18288" fill="none" extrusionOk="0">
+                <a:moveTo>
+                  <a:pt x="0" y="0"/>
+                </a:moveTo>
+                <a:cubicBezTo>
+                  <a:pt x="240201" y="-22123"/>
+                  <a:pt x="462021" y="-19623"/>
+                  <a:pt x="618468" y="0"/>
+                </a:cubicBezTo>
+                <a:cubicBezTo>
+                  <a:pt x="774915" y="19623"/>
+                  <a:pt x="974734" y="2035"/>
+                  <a:pt x="1269487" y="0"/>
+                </a:cubicBezTo>
+                <a:cubicBezTo>
+                  <a:pt x="1564240" y="-2035"/>
+                  <a:pt x="1733579" y="10639"/>
+                  <a:pt x="1953057" y="0"/>
+                </a:cubicBezTo>
+                <a:cubicBezTo>
+                  <a:pt x="2172535" y="-10639"/>
+                  <a:pt x="2453962" y="14018"/>
+                  <a:pt x="2636627" y="0"/>
+                </a:cubicBezTo>
+                <a:cubicBezTo>
+                  <a:pt x="2819292" y="-14018"/>
+                  <a:pt x="3121375" y="5399"/>
+                  <a:pt x="3255095" y="0"/>
+                </a:cubicBezTo>
+                <a:cubicBezTo>
+                  <a:pt x="3254386" y="8157"/>
+                  <a:pt x="3254682" y="12125"/>
+                  <a:pt x="3255095" y="18288"/>
+                </a:cubicBezTo>
+                <a:cubicBezTo>
+                  <a:pt x="3088545" y="23203"/>
+                  <a:pt x="2687475" y="7419"/>
+                  <a:pt x="2538974" y="18288"/>
+                </a:cubicBezTo>
+                <a:cubicBezTo>
+                  <a:pt x="2390473" y="29157"/>
+                  <a:pt x="2137381" y="-8959"/>
+                  <a:pt x="1822853" y="18288"/>
+                </a:cubicBezTo>
+                <a:cubicBezTo>
+                  <a:pt x="1508325" y="45535"/>
+                  <a:pt x="1466437" y="20385"/>
+                  <a:pt x="1171834" y="18288"/>
+                </a:cubicBezTo>
+                <a:cubicBezTo>
+                  <a:pt x="877231" y="16191"/>
+                  <a:pt x="561097" y="37643"/>
+                  <a:pt x="0" y="18288"/>
+                </a:cubicBezTo>
+                <a:cubicBezTo>
+                  <a:pt x="-46" y="12483"/>
+                  <a:pt x="-203" y="6491"/>
+                  <a:pt x="0" y="0"/>
+                </a:cubicBezTo>
+                <a:close/>
+              </a:path>
+              <a:path w="3255095" h="18288" stroke="0" extrusionOk="0">
+                <a:moveTo>
+                  <a:pt x="0" y="0"/>
+                </a:moveTo>
+                <a:cubicBezTo>
+                  <a:pt x="291965" y="19429"/>
+                  <a:pt x="363155" y="8568"/>
+                  <a:pt x="618468" y="0"/>
+                </a:cubicBezTo>
+                <a:cubicBezTo>
+                  <a:pt x="873781" y="-8568"/>
+                  <a:pt x="904459" y="-19505"/>
+                  <a:pt x="1171834" y="0"/>
+                </a:cubicBezTo>
+                <a:cubicBezTo>
+                  <a:pt x="1439209" y="19505"/>
+                  <a:pt x="1744369" y="9790"/>
+                  <a:pt x="1887955" y="0"/>
+                </a:cubicBezTo>
+                <a:cubicBezTo>
+                  <a:pt x="2031541" y="-9790"/>
+                  <a:pt x="2346378" y="21240"/>
+                  <a:pt x="2506423" y="0"/>
+                </a:cubicBezTo>
+                <a:cubicBezTo>
+                  <a:pt x="2666468" y="-21240"/>
+                  <a:pt x="2990257" y="30414"/>
+                  <a:pt x="3255095" y="0"/>
+                </a:cubicBezTo>
+                <a:cubicBezTo>
+                  <a:pt x="3254831" y="4493"/>
+                  <a:pt x="3255479" y="9472"/>
+                  <a:pt x="3255095" y="18288"/>
+                </a:cubicBezTo>
+                <a:cubicBezTo>
+                  <a:pt x="3120743" y="16690"/>
+                  <a:pt x="2759628" y="42462"/>
+                  <a:pt x="2604076" y="18288"/>
+                </a:cubicBezTo>
+                <a:cubicBezTo>
+                  <a:pt x="2448524" y="-5886"/>
+                  <a:pt x="2184336" y="19599"/>
+                  <a:pt x="1887955" y="18288"/>
+                </a:cubicBezTo>
+                <a:cubicBezTo>
+                  <a:pt x="1591574" y="16977"/>
+                  <a:pt x="1548845" y="6870"/>
+                  <a:pt x="1334589" y="18288"/>
+                </a:cubicBezTo>
+                <a:cubicBezTo>
+                  <a:pt x="1120333" y="29706"/>
+                  <a:pt x="996014" y="9662"/>
+                  <a:pt x="683570" y="18288"/>
+                </a:cubicBezTo>
+                <a:cubicBezTo>
+                  <a:pt x="371126" y="26914"/>
+                  <a:pt x="198687" y="16167"/>
+                  <a:pt x="0" y="18288"/>
+                </a:cubicBezTo>
+                <a:cubicBezTo>
+                  <a:pt x="843" y="9577"/>
+                  <a:pt x="371" y="6900"/>
+                  <a:pt x="0" y="0"/>
+                </a:cubicBezTo>
+                <a:close/>
+              </a:path>
+            </a:pathLst>
+          </a:custGeom>
+          <a:solidFill>
+            <a:schemeClr val="accent2"/>
+          </a:solidFill>
+          <a:ln w="38100" cap="rnd">
+            <a:solidFill>
+              <a:schemeClr val="accent2"/>
+            </a:solidFill>
+            <a:round/>
+            <a:extLst>
+              <a:ext uri="{C807C97D-BFC1-408E-A445-0C87EB9F89A2}">
+                <ask:lineSketchStyleProps xmlns:ask="http://schemas.microsoft.com/office/drawing/2018/sketchyshapes" sd="1219033472">
+                  <a:prstGeom prst="rect">
+                    <a:avLst/>
+                  </a:prstGeom>
+                  <ask:type>
+                    <ask:lineSketchFreehand/>
+                  </ask:type>
+                </ask:lineSketchStyleProps>
+              </a:ext>
+            </a:extLst>
+          </a:ln>
+        </p:spPr>
+        <p:style>
+          <a:lnRef idx="2">
+            <a:schemeClr val="accent1">
+              <a:shade val="50000"/>
+            </a:schemeClr>
+          </a:lnRef>
+          <a:fillRef idx="1">
+            <a:schemeClr val="accent1"/>
+          </a:fillRef>
+          <a:effectRef idx="0">
+            <a:schemeClr val="accent1"/>
+          </a:effectRef>
+          <a:fontRef idx="minor">
+            <a:schemeClr val="lt1"/>
+          </a:fontRef>
+        </p:style>
+        <p:txBody>
+          <a:bodyPr rtlCol="0" anchor="ctr"/>
+          <a:lstStyle/>
+          <a:p>
+            <a:pPr algn="ctr"/>
+            <a:endParaRPr lang="en-US"/>
           </a:p>
         </p:txBody>
       </p:sp>
@@ -3671,44 +5256,113 @@
             <p:ph idx="1"/>
           </p:nvPr>
         </p:nvSpPr>
-        <p:spPr/>
-        <p:txBody>
-          <a:bodyPr/>
+        <p:spPr>
+          <a:xfrm>
+            <a:off x="630935" y="2807208"/>
+            <a:ext cx="4085790" cy="3410712"/>
+          </a:xfrm>
+        </p:spPr>
+        <p:txBody>
+          <a:bodyPr anchor="t">
+            <a:normAutofit/>
+          </a:bodyPr>
           <a:lstStyle/>
           <a:p>
-            <a:r>
-              <a:rPr lang="en-US" i="1" dirty="0">
-                <a:solidFill>
-                  <a:schemeClr val="bg1">
-                    <a:lumMod val="75000"/>
-                  </a:schemeClr>
-                </a:solidFill>
-              </a:rPr>
-              <a:t>How does your agent deal with enemies (aiming, shooting, item usage, avoidance, hiding, usage of sprint, …)?</a:t>
-            </a:r>
-            <a:endParaRPr lang="en-BE" i="1" dirty="0">
-              <a:solidFill>
-                <a:schemeClr val="bg1">
-                  <a:lumMod val="75000"/>
-                </a:schemeClr>
-              </a:solidFill>
-            </a:endParaRPr>
-          </a:p>
-          <a:p>
-            <a:r>
-              <a:rPr lang="en-US" i="1" dirty="0">
-                <a:solidFill>
-                  <a:schemeClr val="bg1">
-                    <a:lumMod val="75000"/>
-                  </a:schemeClr>
-                </a:solidFill>
-              </a:rPr>
-              <a:t>USE IMAGES/GIFS</a:t>
-            </a:r>
-            <a:endParaRPr lang="en-BE" dirty="0"/>
-          </a:p>
-        </p:txBody>
-      </p:sp>
+            <a:pPr marL="0" indent="0">
+              <a:buNone/>
+            </a:pPr>
+            <a:r>
+              <a:rPr lang="en-GB" sz="2200" i="1" dirty="0"/>
+              <a:t>When armed:</a:t>
+            </a:r>
+          </a:p>
+          <a:p>
+            <a:pPr marL="0" indent="0">
+              <a:buNone/>
+            </a:pPr>
+            <a:r>
+              <a:rPr lang="en-GB" sz="2200" i="1" dirty="0"/>
+              <a:t>turn around and shoot</a:t>
+            </a:r>
+          </a:p>
+          <a:p>
+            <a:pPr marL="0" indent="0">
+              <a:buNone/>
+            </a:pPr>
+            <a:endParaRPr lang="en-GB" sz="2200" i="1" dirty="0"/>
+          </a:p>
+          <a:p>
+            <a:pPr marL="0" indent="0">
+              <a:buNone/>
+            </a:pPr>
+            <a:r>
+              <a:rPr lang="en-GB" sz="2200" i="1" dirty="0"/>
+              <a:t>When unarmed:</a:t>
+            </a:r>
+          </a:p>
+          <a:p>
+            <a:pPr marL="0" indent="0">
+              <a:buNone/>
+            </a:pPr>
+            <a:r>
+              <a:rPr lang="en-GB" sz="2200" i="1" dirty="0"/>
+              <a:t>run away quickly</a:t>
+            </a:r>
+          </a:p>
+          <a:p>
+            <a:pPr marL="0" indent="0">
+              <a:buNone/>
+            </a:pPr>
+            <a:endParaRPr lang="en-GB" sz="2200" i="1" dirty="0"/>
+          </a:p>
+          <a:p>
+            <a:pPr marL="0" indent="0">
+              <a:buNone/>
+            </a:pPr>
+            <a:r>
+              <a:rPr lang="en-GB" sz="2200" i="1" dirty="0"/>
+              <a:t> </a:t>
+            </a:r>
+            <a:endParaRPr lang="en-BE" sz="2200" dirty="0"/>
+          </a:p>
+        </p:txBody>
+      </p:sp>
+      <p:pic>
+        <p:nvPicPr>
+          <p:cNvPr id="7" name="Picture 6" descr="Diagram">
+            <a:extLst>
+              <a:ext uri="{FF2B5EF4-FFF2-40B4-BE49-F238E27FC236}">
+                <a16:creationId xmlns:a16="http://schemas.microsoft.com/office/drawing/2014/main" id="{AC7DEF1A-7B10-643D-F748-C31ECA8EAE5A}"/>
+              </a:ext>
+            </a:extLst>
+          </p:cNvPr>
+          <p:cNvPicPr>
+            <a:picLocks noChangeAspect="1"/>
+          </p:cNvPicPr>
+          <p:nvPr/>
+        </p:nvPicPr>
+        <p:blipFill>
+          <a:blip r:embed="rId2">
+            <a:extLst>
+              <a:ext uri="{28A0092B-C50C-407E-A947-70E740481C1C}">
+                <a14:useLocalDpi xmlns:a14="http://schemas.microsoft.com/office/drawing/2010/main" val="0"/>
+              </a:ext>
+            </a:extLst>
+          </a:blip>
+          <a:stretch>
+            <a:fillRect/>
+          </a:stretch>
+        </p:blipFill>
+        <p:spPr>
+          <a:xfrm>
+            <a:off x="4654296" y="1703070"/>
+            <a:ext cx="6903720" cy="3451860"/>
+          </a:xfrm>
+          <a:prstGeom prst="rect">
+            <a:avLst/>
+          </a:prstGeom>
+        </p:spPr>
+      </p:pic>
     </p:spTree>
     <p:extLst>
       <p:ext uri="{BB962C8B-B14F-4D97-AF65-F5344CB8AC3E}">
@@ -3870,6 +5524,14 @@
 <file path=ppt/slides/slide5.xml><?xml version="1.0" encoding="utf-8"?>
 <p:sld xmlns:a="http://schemas.openxmlformats.org/drawingml/2006/main" xmlns:r="http://schemas.openxmlformats.org/officeDocument/2006/relationships" xmlns:p="http://schemas.openxmlformats.org/presentationml/2006/main">
   <p:cSld>
+    <p:bg>
+      <p:bgPr>
+        <a:solidFill>
+          <a:schemeClr val="bg1"/>
+        </a:solidFill>
+        <a:effectLst/>
+      </p:bgPr>
+    </p:bg>
     <p:spTree>
       <p:nvGrpSpPr>
         <p:cNvPr id="1" name=""/>
@@ -3884,6 +5546,66 @@
           <a:chExt cx="0" cy="0"/>
         </a:xfrm>
       </p:grpSpPr>
+      <p:sp useBgFill="1">
+        <p:nvSpPr>
+          <p:cNvPr id="10" name="Rectangle 9">
+            <a:extLst>
+              <a:ext uri="{FF2B5EF4-FFF2-40B4-BE49-F238E27FC236}">
+                <a16:creationId xmlns:a16="http://schemas.microsoft.com/office/drawing/2014/main" id="{F13C74B1-5B17-4795-BED0-7140497B445A}"/>
+              </a:ext>
+              <a:ext uri="{C183D7F6-B498-43B3-948B-1728B52AA6E4}">
+                <adec:decorative xmlns:adec="http://schemas.microsoft.com/office/drawing/2017/decorative" val="1"/>
+              </a:ext>
+            </a:extLst>
+          </p:cNvPr>
+          <p:cNvSpPr>
+            <a:spLocks noGrp="1" noRot="1" noChangeAspect="1" noMove="1" noResize="1" noEditPoints="1" noAdjustHandles="1" noChangeArrowheads="1" noChangeShapeType="1" noTextEdit="1"/>
+          </p:cNvSpPr>
+          <p:nvPr>
+            <p:extLst>
+              <p:ext uri="{386F3935-93C4-4BCD-93E2-E3B085C9AB24}">
+                <p16:designElem xmlns:p16="http://schemas.microsoft.com/office/powerpoint/2015/main" val="1"/>
+              </p:ext>
+            </p:extLst>
+          </p:nvPr>
+        </p:nvSpPr>
+        <p:spPr>
+          <a:xfrm>
+            <a:off x="0" y="0"/>
+            <a:ext cx="12188952" cy="6858000"/>
+          </a:xfrm>
+          <a:prstGeom prst="rect">
+            <a:avLst/>
+          </a:prstGeom>
+          <a:ln>
+            <a:noFill/>
+          </a:ln>
+        </p:spPr>
+        <p:style>
+          <a:lnRef idx="2">
+            <a:schemeClr val="accent1">
+              <a:shade val="50000"/>
+            </a:schemeClr>
+          </a:lnRef>
+          <a:fillRef idx="1">
+            <a:schemeClr val="accent1"/>
+          </a:fillRef>
+          <a:effectRef idx="0">
+            <a:schemeClr val="accent1"/>
+          </a:effectRef>
+          <a:fontRef idx="minor">
+            <a:schemeClr val="lt1"/>
+          </a:fontRef>
+        </p:style>
+        <p:txBody>
+          <a:bodyPr rtlCol="0" anchor="ctr"/>
+          <a:lstStyle/>
+          <a:p>
+            <a:pPr algn="ctr"/>
+            <a:endParaRPr lang="en-US"/>
+          </a:p>
+        </p:txBody>
+      </p:sp>
       <p:sp>
         <p:nvSpPr>
           <p:cNvPr id="2" name="Title 1">
@@ -3900,16 +5622,306 @@
             <p:ph type="title"/>
           </p:nvPr>
         </p:nvSpPr>
-        <p:spPr/>
-        <p:txBody>
-          <a:bodyPr/>
+        <p:spPr>
+          <a:xfrm>
+            <a:off x="640080" y="325369"/>
+            <a:ext cx="4368602" cy="1956841"/>
+          </a:xfrm>
+        </p:spPr>
+        <p:txBody>
+          <a:bodyPr anchor="b">
+            <a:normAutofit/>
+          </a:bodyPr>
           <a:lstStyle/>
           <a:p>
             <a:r>
-              <a:rPr lang="en-US"/>
+              <a:rPr lang="en-US" sz="5400"/>
               <a:t>Movement &amp; exploration</a:t>
             </a:r>
-            <a:endParaRPr lang="en-BE"/>
+            <a:endParaRPr lang="en-BE" sz="5400"/>
+          </a:p>
+        </p:txBody>
+      </p:sp>
+      <p:sp>
+        <p:nvSpPr>
+          <p:cNvPr id="12" name="sketchy line">
+            <a:extLst>
+              <a:ext uri="{FF2B5EF4-FFF2-40B4-BE49-F238E27FC236}">
+                <a16:creationId xmlns:a16="http://schemas.microsoft.com/office/drawing/2014/main" id="{D4974D33-8DC5-464E-8C6D-BE58F0669C17}"/>
+              </a:ext>
+              <a:ext uri="{C183D7F6-B498-43B3-948B-1728B52AA6E4}">
+                <adec:decorative xmlns:adec="http://schemas.microsoft.com/office/drawing/2017/decorative" val="1"/>
+              </a:ext>
+            </a:extLst>
+          </p:cNvPr>
+          <p:cNvSpPr>
+            <a:spLocks noGrp="1" noRot="1" noChangeAspect="1" noMove="1" noResize="1" noEditPoints="1" noAdjustHandles="1" noChangeArrowheads="1" noChangeShapeType="1" noTextEdit="1"/>
+          </p:cNvSpPr>
+          <p:nvPr>
+            <p:extLst>
+              <p:ext uri="{386F3935-93C4-4BCD-93E2-E3B085C9AB24}">
+                <p16:designElem xmlns:p16="http://schemas.microsoft.com/office/powerpoint/2015/main" val="1"/>
+              </p:ext>
+            </p:extLst>
+          </p:nvPr>
+        </p:nvSpPr>
+        <p:spPr>
+          <a:xfrm>
+            <a:off x="640080" y="2586994"/>
+            <a:ext cx="3474720" cy="18288"/>
+          </a:xfrm>
+          <a:custGeom>
+            <a:avLst/>
+            <a:gdLst>
+              <a:gd name="connsiteX0" fmla="*/ 0 w 3474720"/>
+              <a:gd name="connsiteY0" fmla="*/ 0 h 18288"/>
+              <a:gd name="connsiteX1" fmla="*/ 694944 w 3474720"/>
+              <a:gd name="connsiteY1" fmla="*/ 0 h 18288"/>
+              <a:gd name="connsiteX2" fmla="*/ 1355141 w 3474720"/>
+              <a:gd name="connsiteY2" fmla="*/ 0 h 18288"/>
+              <a:gd name="connsiteX3" fmla="*/ 2015338 w 3474720"/>
+              <a:gd name="connsiteY3" fmla="*/ 0 h 18288"/>
+              <a:gd name="connsiteX4" fmla="*/ 2779776 w 3474720"/>
+              <a:gd name="connsiteY4" fmla="*/ 0 h 18288"/>
+              <a:gd name="connsiteX5" fmla="*/ 3474720 w 3474720"/>
+              <a:gd name="connsiteY5" fmla="*/ 0 h 18288"/>
+              <a:gd name="connsiteX6" fmla="*/ 3474720 w 3474720"/>
+              <a:gd name="connsiteY6" fmla="*/ 18288 h 18288"/>
+              <a:gd name="connsiteX7" fmla="*/ 2779776 w 3474720"/>
+              <a:gd name="connsiteY7" fmla="*/ 18288 h 18288"/>
+              <a:gd name="connsiteX8" fmla="*/ 2189074 w 3474720"/>
+              <a:gd name="connsiteY8" fmla="*/ 18288 h 18288"/>
+              <a:gd name="connsiteX9" fmla="*/ 1528877 w 3474720"/>
+              <a:gd name="connsiteY9" fmla="*/ 18288 h 18288"/>
+              <a:gd name="connsiteX10" fmla="*/ 868680 w 3474720"/>
+              <a:gd name="connsiteY10" fmla="*/ 18288 h 18288"/>
+              <a:gd name="connsiteX11" fmla="*/ 0 w 3474720"/>
+              <a:gd name="connsiteY11" fmla="*/ 18288 h 18288"/>
+              <a:gd name="connsiteX12" fmla="*/ 0 w 3474720"/>
+              <a:gd name="connsiteY12" fmla="*/ 0 h 18288"/>
+            </a:gdLst>
+            <a:ahLst/>
+            <a:cxnLst>
+              <a:cxn ang="0">
+                <a:pos x="connsiteX0" y="connsiteY0"/>
+              </a:cxn>
+              <a:cxn ang="0">
+                <a:pos x="connsiteX1" y="connsiteY1"/>
+              </a:cxn>
+              <a:cxn ang="0">
+                <a:pos x="connsiteX2" y="connsiteY2"/>
+              </a:cxn>
+              <a:cxn ang="0">
+                <a:pos x="connsiteX3" y="connsiteY3"/>
+              </a:cxn>
+              <a:cxn ang="0">
+                <a:pos x="connsiteX4" y="connsiteY4"/>
+              </a:cxn>
+              <a:cxn ang="0">
+                <a:pos x="connsiteX5" y="connsiteY5"/>
+              </a:cxn>
+              <a:cxn ang="0">
+                <a:pos x="connsiteX6" y="connsiteY6"/>
+              </a:cxn>
+              <a:cxn ang="0">
+                <a:pos x="connsiteX7" y="connsiteY7"/>
+              </a:cxn>
+              <a:cxn ang="0">
+                <a:pos x="connsiteX8" y="connsiteY8"/>
+              </a:cxn>
+              <a:cxn ang="0">
+                <a:pos x="connsiteX9" y="connsiteY9"/>
+              </a:cxn>
+              <a:cxn ang="0">
+                <a:pos x="connsiteX10" y="connsiteY10"/>
+              </a:cxn>
+              <a:cxn ang="0">
+                <a:pos x="connsiteX11" y="connsiteY11"/>
+              </a:cxn>
+              <a:cxn ang="0">
+                <a:pos x="connsiteX12" y="connsiteY12"/>
+              </a:cxn>
+            </a:cxnLst>
+            <a:rect l="l" t="t" r="r" b="b"/>
+            <a:pathLst>
+              <a:path w="3474720" h="18288" fill="none" extrusionOk="0">
+                <a:moveTo>
+                  <a:pt x="0" y="0"/>
+                </a:moveTo>
+                <a:cubicBezTo>
+                  <a:pt x="224454" y="-14544"/>
+                  <a:pt x="495407" y="26540"/>
+                  <a:pt x="694944" y="0"/>
+                </a:cubicBezTo>
+                <a:cubicBezTo>
+                  <a:pt x="894481" y="-26540"/>
+                  <a:pt x="1130063" y="24713"/>
+                  <a:pt x="1355141" y="0"/>
+                </a:cubicBezTo>
+                <a:cubicBezTo>
+                  <a:pt x="1580219" y="-24713"/>
+                  <a:pt x="1820099" y="26695"/>
+                  <a:pt x="2015338" y="0"/>
+                </a:cubicBezTo>
+                <a:cubicBezTo>
+                  <a:pt x="2210577" y="-26695"/>
+                  <a:pt x="2402045" y="165"/>
+                  <a:pt x="2779776" y="0"/>
+                </a:cubicBezTo>
+                <a:cubicBezTo>
+                  <a:pt x="3157507" y="-165"/>
+                  <a:pt x="3286859" y="-15571"/>
+                  <a:pt x="3474720" y="0"/>
+                </a:cubicBezTo>
+                <a:cubicBezTo>
+                  <a:pt x="3474286" y="7551"/>
+                  <a:pt x="3474253" y="9822"/>
+                  <a:pt x="3474720" y="18288"/>
+                </a:cubicBezTo>
+                <a:cubicBezTo>
+                  <a:pt x="3233904" y="29845"/>
+                  <a:pt x="2945134" y="-5256"/>
+                  <a:pt x="2779776" y="18288"/>
+                </a:cubicBezTo>
+                <a:cubicBezTo>
+                  <a:pt x="2614418" y="41832"/>
+                  <a:pt x="2339768" y="22709"/>
+                  <a:pt x="2189074" y="18288"/>
+                </a:cubicBezTo>
+                <a:cubicBezTo>
+                  <a:pt x="2038380" y="13867"/>
+                  <a:pt x="1817434" y="-4947"/>
+                  <a:pt x="1528877" y="18288"/>
+                </a:cubicBezTo>
+                <a:cubicBezTo>
+                  <a:pt x="1240320" y="41523"/>
+                  <a:pt x="1042447" y="37198"/>
+                  <a:pt x="868680" y="18288"/>
+                </a:cubicBezTo>
+                <a:cubicBezTo>
+                  <a:pt x="694913" y="-622"/>
+                  <a:pt x="233232" y="44909"/>
+                  <a:pt x="0" y="18288"/>
+                </a:cubicBezTo>
+                <a:cubicBezTo>
+                  <a:pt x="60" y="11696"/>
+                  <a:pt x="66" y="3758"/>
+                  <a:pt x="0" y="0"/>
+                </a:cubicBezTo>
+                <a:close/>
+              </a:path>
+              <a:path w="3474720" h="18288" stroke="0" extrusionOk="0">
+                <a:moveTo>
+                  <a:pt x="0" y="0"/>
+                </a:moveTo>
+                <a:cubicBezTo>
+                  <a:pt x="202328" y="-14716"/>
+                  <a:pt x="332722" y="-11499"/>
+                  <a:pt x="625450" y="0"/>
+                </a:cubicBezTo>
+                <a:cubicBezTo>
+                  <a:pt x="918178" y="11499"/>
+                  <a:pt x="1096688" y="5123"/>
+                  <a:pt x="1389888" y="0"/>
+                </a:cubicBezTo>
+                <a:cubicBezTo>
+                  <a:pt x="1683088" y="-5123"/>
+                  <a:pt x="1835981" y="-14038"/>
+                  <a:pt x="1980590" y="0"/>
+                </a:cubicBezTo>
+                <a:cubicBezTo>
+                  <a:pt x="2125199" y="14038"/>
+                  <a:pt x="2396099" y="-7203"/>
+                  <a:pt x="2571293" y="0"/>
+                </a:cubicBezTo>
+                <a:cubicBezTo>
+                  <a:pt x="2746487" y="7203"/>
+                  <a:pt x="3041609" y="-12036"/>
+                  <a:pt x="3474720" y="0"/>
+                </a:cubicBezTo>
+                <a:cubicBezTo>
+                  <a:pt x="3474638" y="4406"/>
+                  <a:pt x="3474631" y="9982"/>
+                  <a:pt x="3474720" y="18288"/>
+                </a:cubicBezTo>
+                <a:cubicBezTo>
+                  <a:pt x="3324873" y="21876"/>
+                  <a:pt x="3136771" y="12587"/>
+                  <a:pt x="2814523" y="18288"/>
+                </a:cubicBezTo>
+                <a:cubicBezTo>
+                  <a:pt x="2492275" y="23989"/>
+                  <a:pt x="2294402" y="47111"/>
+                  <a:pt x="2154326" y="18288"/>
+                </a:cubicBezTo>
+                <a:cubicBezTo>
+                  <a:pt x="2014250" y="-10535"/>
+                  <a:pt x="1820317" y="33903"/>
+                  <a:pt x="1494130" y="18288"/>
+                </a:cubicBezTo>
+                <a:cubicBezTo>
+                  <a:pt x="1167943" y="2673"/>
+                  <a:pt x="948432" y="14868"/>
+                  <a:pt x="729691" y="18288"/>
+                </a:cubicBezTo>
+                <a:cubicBezTo>
+                  <a:pt x="510950" y="21708"/>
+                  <a:pt x="264032" y="24354"/>
+                  <a:pt x="0" y="18288"/>
+                </a:cubicBezTo>
+                <a:cubicBezTo>
+                  <a:pt x="189" y="14288"/>
+                  <a:pt x="-703" y="3747"/>
+                  <a:pt x="0" y="0"/>
+                </a:cubicBezTo>
+                <a:close/>
+              </a:path>
+            </a:pathLst>
+          </a:custGeom>
+          <a:solidFill>
+            <a:schemeClr val="accent2"/>
+          </a:solidFill>
+          <a:ln w="44450" cap="rnd">
+            <a:solidFill>
+              <a:schemeClr val="accent2"/>
+            </a:solidFill>
+            <a:round/>
+            <a:extLst>
+              <a:ext uri="{C807C97D-BFC1-408E-A445-0C87EB9F89A2}">
+                <ask:lineSketchStyleProps xmlns:ask="http://schemas.microsoft.com/office/drawing/2018/sketchyshapes" sd="2863741219">
+                  <a:prstGeom prst="rect">
+                    <a:avLst/>
+                  </a:prstGeom>
+                  <ask:type>
+                    <ask:lineSketchFreehand/>
+                  </ask:type>
+                </ask:lineSketchStyleProps>
+              </a:ext>
+            </a:extLst>
+          </a:ln>
+        </p:spPr>
+        <p:style>
+          <a:lnRef idx="2">
+            <a:schemeClr val="accent1">
+              <a:shade val="50000"/>
+            </a:schemeClr>
+          </a:lnRef>
+          <a:fillRef idx="1">
+            <a:schemeClr val="accent1"/>
+          </a:fillRef>
+          <a:effectRef idx="0">
+            <a:schemeClr val="accent1"/>
+          </a:effectRef>
+          <a:fontRef idx="minor">
+            <a:schemeClr val="lt1"/>
+          </a:fontRef>
+        </p:style>
+        <p:txBody>
+          <a:bodyPr rtlCol="0" anchor="ctr"/>
+          <a:lstStyle/>
+          <a:p>
+            <a:pPr algn="ctr"/>
+            <a:endParaRPr lang="en-US"/>
           </a:p>
         </p:txBody>
       </p:sp>
@@ -3929,70 +5941,110 @@
             <p:ph idx="1"/>
           </p:nvPr>
         </p:nvSpPr>
-        <p:spPr/>
-        <p:txBody>
-          <a:bodyPr/>
+        <p:spPr>
+          <a:xfrm>
+            <a:off x="640080" y="2872899"/>
+            <a:ext cx="4243589" cy="3320668"/>
+          </a:xfrm>
+        </p:spPr>
+        <p:txBody>
+          <a:bodyPr>
+            <a:normAutofit/>
+          </a:bodyPr>
           <a:lstStyle/>
           <a:p>
             <a:r>
-              <a:rPr lang="en-US" i="1">
-                <a:solidFill>
-                  <a:schemeClr val="bg1">
-                    <a:lumMod val="75000"/>
-                  </a:schemeClr>
-                </a:solidFill>
-              </a:rPr>
-              <a:t>How does your agent explore the world ( how does it traverse the world, when and why does it visit houses, does it have a memory?)?</a:t>
-            </a:r>
-          </a:p>
-          <a:p>
-            <a:r>
-              <a:rPr lang="en-US" i="1">
-                <a:solidFill>
-                  <a:schemeClr val="bg1">
-                    <a:lumMod val="75000"/>
-                  </a:schemeClr>
-                </a:solidFill>
-              </a:rPr>
-              <a:t>USE IMAGES/GIFS</a:t>
-            </a:r>
-          </a:p>
-          <a:p>
-            <a:endParaRPr lang="en-US" i="1">
-              <a:solidFill>
-                <a:schemeClr val="bg1">
-                  <a:lumMod val="75000"/>
-                </a:schemeClr>
-              </a:solidFill>
-            </a:endParaRPr>
-          </a:p>
-          <a:p>
-            <a:r>
-              <a:rPr lang="en-US" i="1">
-                <a:solidFill>
-                  <a:schemeClr val="bg1">
-                    <a:lumMod val="75000"/>
-                  </a:schemeClr>
-                </a:solidFill>
-              </a:rPr>
-              <a:t>How many steering behaviors does it use? Does it use blended steering?</a:t>
-            </a:r>
-            <a:endParaRPr lang="en-BE" i="1">
-              <a:solidFill>
-                <a:schemeClr val="bg1">
-                  <a:lumMod val="75000"/>
-                </a:schemeClr>
-              </a:solidFill>
-            </a:endParaRPr>
+              <a:rPr lang="en-US" sz="2200" i="1" dirty="0"/>
+              <a:t>Agent travels to random points on unit circle.</a:t>
+            </a:r>
           </a:p>
           <a:p>
             <a:pPr marL="0" indent="0">
               <a:buNone/>
             </a:pPr>
-            <a:endParaRPr lang="en-BE"/>
-          </a:p>
-        </p:txBody>
-      </p:sp>
+            <a:endParaRPr lang="en-US" sz="2200" i="1" dirty="0"/>
+          </a:p>
+          <a:p>
+            <a:r>
+              <a:rPr lang="en-GB" sz="2200" i="1" dirty="0"/>
+              <a:t>Just simple seek and flee</a:t>
+            </a:r>
+            <a:endParaRPr lang="en-BE" sz="2200" i="1" dirty="0"/>
+          </a:p>
+          <a:p>
+            <a:pPr marL="0" indent="0">
+              <a:buNone/>
+            </a:pPr>
+            <a:endParaRPr lang="en-BE" sz="2200" dirty="0"/>
+          </a:p>
+        </p:txBody>
+      </p:sp>
+      <p:pic>
+        <p:nvPicPr>
+          <p:cNvPr id="6" name="Picture 5" descr="A screenshot of a computer">
+            <a:extLst>
+              <a:ext uri="{FF2B5EF4-FFF2-40B4-BE49-F238E27FC236}">
+                <a16:creationId xmlns:a16="http://schemas.microsoft.com/office/drawing/2014/main" id="{A99C4197-B0FD-1BE4-6B88-E87697CA8A73}"/>
+              </a:ext>
+            </a:extLst>
+          </p:cNvPr>
+          <p:cNvPicPr>
+            <a:picLocks noChangeAspect="1"/>
+          </p:cNvPicPr>
+          <p:nvPr/>
+        </p:nvPicPr>
+        <p:blipFill>
+          <a:blip r:embed="rId3">
+            <a:extLst>
+              <a:ext uri="{28A0092B-C50C-407E-A947-70E740481C1C}">
+                <a14:useLocalDpi xmlns:a14="http://schemas.microsoft.com/office/drawing/2010/main" val="0"/>
+              </a:ext>
+            </a:extLst>
+          </a:blip>
+          <a:stretch>
+            <a:fillRect/>
+          </a:stretch>
+        </p:blipFill>
+        <p:spPr>
+          <a:xfrm>
+            <a:off x="5308600" y="0"/>
+            <a:ext cx="6896100" cy="3393689"/>
+          </a:xfrm>
+          <a:prstGeom prst="rect">
+            <a:avLst/>
+          </a:prstGeom>
+        </p:spPr>
+      </p:pic>
+      <p:pic>
+        <p:nvPicPr>
+          <p:cNvPr id="8" name="Picture 7">
+            <a:extLst>
+              <a:ext uri="{FF2B5EF4-FFF2-40B4-BE49-F238E27FC236}">
+                <a16:creationId xmlns:a16="http://schemas.microsoft.com/office/drawing/2014/main" id="{DDC7055C-0332-AFDC-FFBB-387CC10303FA}"/>
+              </a:ext>
+            </a:extLst>
+          </p:cNvPr>
+          <p:cNvPicPr>
+            <a:picLocks noChangeAspect="1"/>
+          </p:cNvPicPr>
+          <p:nvPr/>
+        </p:nvPicPr>
+        <p:blipFill>
+          <a:blip r:embed="rId4"/>
+          <a:stretch>
+            <a:fillRect/>
+          </a:stretch>
+        </p:blipFill>
+        <p:spPr>
+          <a:xfrm>
+            <a:off x="5292852" y="3366304"/>
+            <a:ext cx="6896100" cy="3491696"/>
+          </a:xfrm>
+          <a:prstGeom prst="rect">
+            <a:avLst/>
+          </a:prstGeom>
+        </p:spPr>
+      </p:pic>
     </p:spTree>
     <p:extLst>
       <p:ext uri="{BB962C8B-B14F-4D97-AF65-F5344CB8AC3E}">
@@ -4096,6 +6148,83 @@
           </a:p>
         </p:txBody>
       </p:sp>
+      <p:pic>
+        <p:nvPicPr>
+          <p:cNvPr id="5" name="Picture 4">
+            <a:extLst>
+              <a:ext uri="{FF2B5EF4-FFF2-40B4-BE49-F238E27FC236}">
+                <a16:creationId xmlns:a16="http://schemas.microsoft.com/office/drawing/2014/main" id="{998389F8-E779-DE41-575A-0C2475234356}"/>
+              </a:ext>
+            </a:extLst>
+          </p:cNvPr>
+          <p:cNvPicPr>
+            <a:picLocks noChangeAspect="1"/>
+          </p:cNvPicPr>
+          <p:nvPr/>
+        </p:nvPicPr>
+        <p:blipFill>
+          <a:blip r:embed="rId2"/>
+          <a:stretch>
+            <a:fillRect/>
+          </a:stretch>
+        </p:blipFill>
+        <p:spPr>
+          <a:xfrm>
+            <a:off x="918875" y="1825625"/>
+            <a:ext cx="3832104" cy="3259492"/>
+          </a:xfrm>
+          <a:prstGeom prst="rect">
+            <a:avLst/>
+          </a:prstGeom>
+        </p:spPr>
+      </p:pic>
+      <p:pic>
+        <p:nvPicPr>
+          <p:cNvPr id="1026" name="Picture 2">
+            <a:extLst>
+              <a:ext uri="{FF2B5EF4-FFF2-40B4-BE49-F238E27FC236}">
+                <a16:creationId xmlns:a16="http://schemas.microsoft.com/office/drawing/2014/main" id="{BA1BC429-1835-C2BE-C787-637F63A00ECB}"/>
+              </a:ext>
+            </a:extLst>
+          </p:cNvPr>
+          <p:cNvPicPr>
+            <a:picLocks noChangeAspect="1" noChangeArrowheads="1"/>
+          </p:cNvPicPr>
+          <p:nvPr/>
+        </p:nvPicPr>
+        <p:blipFill>
+          <a:blip r:embed="rId3">
+            <a:extLst>
+              <a:ext uri="{28A0092B-C50C-407E-A947-70E740481C1C}">
+                <a14:useLocalDpi xmlns:a14="http://schemas.microsoft.com/office/drawing/2010/main" val="0"/>
+              </a:ext>
+            </a:extLst>
+          </a:blip>
+          <a:srcRect/>
+          <a:stretch>
+            <a:fillRect/>
+          </a:stretch>
+        </p:blipFill>
+        <p:spPr bwMode="auto">
+          <a:xfrm>
+            <a:off x="4947004" y="1825625"/>
+            <a:ext cx="5874492" cy="3257574"/>
+          </a:xfrm>
+          <a:prstGeom prst="rect">
+            <a:avLst/>
+          </a:prstGeom>
+          <a:noFill/>
+          <a:extLst>
+            <a:ext uri="{909E8E84-426E-40DD-AFC4-6F175D3DCCD1}">
+              <a14:hiddenFill xmlns:a14="http://schemas.microsoft.com/office/drawing/2010/main">
+                <a:solidFill>
+                  <a:srgbClr val="FFFFFF"/>
+                </a:solidFill>
+              </a14:hiddenFill>
+            </a:ext>
+          </a:extLst>
+        </p:spPr>
+      </p:pic>
     </p:spTree>
     <p:extLst>
       <p:ext uri="{BB962C8B-B14F-4D97-AF65-F5344CB8AC3E}">
@@ -4404,6 +6533,301 @@
 </a:theme>
 </file>
 
+<file path=ppt/theme/theme2.xml><?xml version="1.0" encoding="utf-8"?>
+<a:theme xmlns:a="http://schemas.openxmlformats.org/drawingml/2006/main" name="Office Theme">
+  <a:themeElements>
+    <a:clrScheme name="Office">
+      <a:dk1>
+        <a:sysClr val="windowText" lastClr="000000"/>
+      </a:dk1>
+      <a:lt1>
+        <a:sysClr val="window" lastClr="FFFFFF"/>
+      </a:lt1>
+      <a:dk2>
+        <a:srgbClr val="44546A"/>
+      </a:dk2>
+      <a:lt2>
+        <a:srgbClr val="E7E6E6"/>
+      </a:lt2>
+      <a:accent1>
+        <a:srgbClr val="4472C4"/>
+      </a:accent1>
+      <a:accent2>
+        <a:srgbClr val="ED7D31"/>
+      </a:accent2>
+      <a:accent3>
+        <a:srgbClr val="A5A5A5"/>
+      </a:accent3>
+      <a:accent4>
+        <a:srgbClr val="FFC000"/>
+      </a:accent4>
+      <a:accent5>
+        <a:srgbClr val="5B9BD5"/>
+      </a:accent5>
+      <a:accent6>
+        <a:srgbClr val="70AD47"/>
+      </a:accent6>
+      <a:hlink>
+        <a:srgbClr val="0563C1"/>
+      </a:hlink>
+      <a:folHlink>
+        <a:srgbClr val="954F72"/>
+      </a:folHlink>
+    </a:clrScheme>
+    <a:fontScheme name="Office">
+      <a:majorFont>
+        <a:latin typeface="Calibri Light" panose="020F0302020204030204"/>
+        <a:ea typeface=""/>
+        <a:cs typeface=""/>
+        <a:font script="Jpan" typeface="游ゴシック Light"/>
+        <a:font script="Hang" typeface="맑은 고딕"/>
+        <a:font script="Hans" typeface="等线 Light"/>
+        <a:font script="Hant" typeface="新細明體"/>
+        <a:font script="Arab" typeface="Times New Roman"/>
+        <a:font script="Hebr" typeface="Times New Roman"/>
+        <a:font script="Thai" typeface="Angsana New"/>
+        <a:font script="Ethi" typeface="Nyala"/>
+        <a:font script="Beng" typeface="Vrinda"/>
+        <a:font script="Gujr" typeface="Shruti"/>
+        <a:font script="Khmr" typeface="MoolBoran"/>
+        <a:font script="Knda" typeface="Tunga"/>
+        <a:font script="Guru" typeface="Raavi"/>
+        <a:font script="Cans" typeface="Euphemia"/>
+        <a:font script="Cher" typeface="Plantagenet Cherokee"/>
+        <a:font script="Yiii" typeface="Microsoft Yi Baiti"/>
+        <a:font script="Tibt" typeface="Microsoft Himalaya"/>
+        <a:font script="Thaa" typeface="MV Boli"/>
+        <a:font script="Deva" typeface="Mangal"/>
+        <a:font script="Telu" typeface="Gautami"/>
+        <a:font script="Taml" typeface="Latha"/>
+        <a:font script="Syrc" typeface="Estrangelo Edessa"/>
+        <a:font script="Orya" typeface="Kalinga"/>
+        <a:font script="Mlym" typeface="Kartika"/>
+        <a:font script="Laoo" typeface="DokChampa"/>
+        <a:font script="Sinh" typeface="Iskoola Pota"/>
+        <a:font script="Mong" typeface="Mongolian Baiti"/>
+        <a:font script="Viet" typeface="Times New Roman"/>
+        <a:font script="Uigh" typeface="Microsoft Uighur"/>
+        <a:font script="Geor" typeface="Sylfaen"/>
+        <a:font script="Armn" typeface="Arial"/>
+        <a:font script="Bugi" typeface="Leelawadee UI"/>
+        <a:font script="Bopo" typeface="Microsoft JhengHei"/>
+        <a:font script="Java" typeface="Javanese Text"/>
+        <a:font script="Lisu" typeface="Segoe UI"/>
+        <a:font script="Mymr" typeface="Myanmar Text"/>
+        <a:font script="Nkoo" typeface="Ebrima"/>
+        <a:font script="Olck" typeface="Nirmala UI"/>
+        <a:font script="Osma" typeface="Ebrima"/>
+        <a:font script="Phag" typeface="Phagspa"/>
+        <a:font script="Syrn" typeface="Estrangelo Edessa"/>
+        <a:font script="Syrj" typeface="Estrangelo Edessa"/>
+        <a:font script="Syre" typeface="Estrangelo Edessa"/>
+        <a:font script="Sora" typeface="Nirmala UI"/>
+        <a:font script="Tale" typeface="Microsoft Tai Le"/>
+        <a:font script="Talu" typeface="Microsoft New Tai Lue"/>
+        <a:font script="Tfng" typeface="Ebrima"/>
+      </a:majorFont>
+      <a:minorFont>
+        <a:latin typeface="Calibri" panose="020F0502020204030204"/>
+        <a:ea typeface=""/>
+        <a:cs typeface=""/>
+        <a:font script="Jpan" typeface="游ゴシック"/>
+        <a:font script="Hang" typeface="맑은 고딕"/>
+        <a:font script="Hans" typeface="等线"/>
+        <a:font script="Hant" typeface="新細明體"/>
+        <a:font script="Arab" typeface="Arial"/>
+        <a:font script="Hebr" typeface="Arial"/>
+        <a:font script="Thai" typeface="Cordia New"/>
+        <a:font script="Ethi" typeface="Nyala"/>
+        <a:font script="Beng" typeface="Vrinda"/>
+        <a:font script="Gujr" typeface="Shruti"/>
+        <a:font script="Khmr" typeface="DaunPenh"/>
+        <a:font script="Knda" typeface="Tunga"/>
+        <a:font script="Guru" typeface="Raavi"/>
+        <a:font script="Cans" typeface="Euphemia"/>
+        <a:font script="Cher" typeface="Plantagenet Cherokee"/>
+        <a:font script="Yiii" typeface="Microsoft Yi Baiti"/>
+        <a:font script="Tibt" typeface="Microsoft Himalaya"/>
+        <a:font script="Thaa" typeface="MV Boli"/>
+        <a:font script="Deva" typeface="Mangal"/>
+        <a:font script="Telu" typeface="Gautami"/>
+        <a:font script="Taml" typeface="Latha"/>
+        <a:font script="Syrc" typeface="Estrangelo Edessa"/>
+        <a:font script="Orya" typeface="Kalinga"/>
+        <a:font script="Mlym" typeface="Kartika"/>
+        <a:font script="Laoo" typeface="DokChampa"/>
+        <a:font script="Sinh" typeface="Iskoola Pota"/>
+        <a:font script="Mong" typeface="Mongolian Baiti"/>
+        <a:font script="Viet" typeface="Arial"/>
+        <a:font script="Uigh" typeface="Microsoft Uighur"/>
+        <a:font script="Geor" typeface="Sylfaen"/>
+        <a:font script="Armn" typeface="Arial"/>
+        <a:font script="Bugi" typeface="Leelawadee UI"/>
+        <a:font script="Bopo" typeface="Microsoft JhengHei"/>
+        <a:font script="Java" typeface="Javanese Text"/>
+        <a:font script="Lisu" typeface="Segoe UI"/>
+        <a:font script="Mymr" typeface="Myanmar Text"/>
+        <a:font script="Nkoo" typeface="Ebrima"/>
+        <a:font script="Olck" typeface="Nirmala UI"/>
+        <a:font script="Osma" typeface="Ebrima"/>
+        <a:font script="Phag" typeface="Phagspa"/>
+        <a:font script="Syrn" typeface="Estrangelo Edessa"/>
+        <a:font script="Syrj" typeface="Estrangelo Edessa"/>
+        <a:font script="Syre" typeface="Estrangelo Edessa"/>
+        <a:font script="Sora" typeface="Nirmala UI"/>
+        <a:font script="Tale" typeface="Microsoft Tai Le"/>
+        <a:font script="Talu" typeface="Microsoft New Tai Lue"/>
+        <a:font script="Tfng" typeface="Ebrima"/>
+      </a:minorFont>
+    </a:fontScheme>
+    <a:fmtScheme name="Office">
+      <a:fillStyleLst>
+        <a:solidFill>
+          <a:schemeClr val="phClr"/>
+        </a:solidFill>
+        <a:gradFill rotWithShape="1">
+          <a:gsLst>
+            <a:gs pos="0">
+              <a:schemeClr val="phClr">
+                <a:lumMod val="110000"/>
+                <a:satMod val="105000"/>
+                <a:tint val="67000"/>
+              </a:schemeClr>
+            </a:gs>
+            <a:gs pos="50000">
+              <a:schemeClr val="phClr">
+                <a:lumMod val="105000"/>
+                <a:satMod val="103000"/>
+                <a:tint val="73000"/>
+              </a:schemeClr>
+            </a:gs>
+            <a:gs pos="100000">
+              <a:schemeClr val="phClr">
+                <a:lumMod val="105000"/>
+                <a:satMod val="109000"/>
+                <a:tint val="81000"/>
+              </a:schemeClr>
+            </a:gs>
+          </a:gsLst>
+          <a:lin ang="5400000" scaled="0"/>
+        </a:gradFill>
+        <a:gradFill rotWithShape="1">
+          <a:gsLst>
+            <a:gs pos="0">
+              <a:schemeClr val="phClr">
+                <a:satMod val="103000"/>
+                <a:lumMod val="102000"/>
+                <a:tint val="94000"/>
+              </a:schemeClr>
+            </a:gs>
+            <a:gs pos="50000">
+              <a:schemeClr val="phClr">
+                <a:satMod val="110000"/>
+                <a:lumMod val="100000"/>
+                <a:shade val="100000"/>
+              </a:schemeClr>
+            </a:gs>
+            <a:gs pos="100000">
+              <a:schemeClr val="phClr">
+                <a:lumMod val="99000"/>
+                <a:satMod val="120000"/>
+                <a:shade val="78000"/>
+              </a:schemeClr>
+            </a:gs>
+          </a:gsLst>
+          <a:lin ang="5400000" scaled="0"/>
+        </a:gradFill>
+      </a:fillStyleLst>
+      <a:lnStyleLst>
+        <a:ln w="6350" cap="flat" cmpd="sng" algn="ctr">
+          <a:solidFill>
+            <a:schemeClr val="phClr"/>
+          </a:solidFill>
+          <a:prstDash val="solid"/>
+          <a:miter lim="800000"/>
+        </a:ln>
+        <a:ln w="12700" cap="flat" cmpd="sng" algn="ctr">
+          <a:solidFill>
+            <a:schemeClr val="phClr"/>
+          </a:solidFill>
+          <a:prstDash val="solid"/>
+          <a:miter lim="800000"/>
+        </a:ln>
+        <a:ln w="19050" cap="flat" cmpd="sng" algn="ctr">
+          <a:solidFill>
+            <a:schemeClr val="phClr"/>
+          </a:solidFill>
+          <a:prstDash val="solid"/>
+          <a:miter lim="800000"/>
+        </a:ln>
+      </a:lnStyleLst>
+      <a:effectStyleLst>
+        <a:effectStyle>
+          <a:effectLst/>
+        </a:effectStyle>
+        <a:effectStyle>
+          <a:effectLst/>
+        </a:effectStyle>
+        <a:effectStyle>
+          <a:effectLst>
+            <a:outerShdw blurRad="57150" dist="19050" dir="5400000" algn="ctr" rotWithShape="0">
+              <a:srgbClr val="000000">
+                <a:alpha val="63000"/>
+              </a:srgbClr>
+            </a:outerShdw>
+          </a:effectLst>
+        </a:effectStyle>
+      </a:effectStyleLst>
+      <a:bgFillStyleLst>
+        <a:solidFill>
+          <a:schemeClr val="phClr"/>
+        </a:solidFill>
+        <a:solidFill>
+          <a:schemeClr val="phClr">
+            <a:tint val="95000"/>
+            <a:satMod val="170000"/>
+          </a:schemeClr>
+        </a:solidFill>
+        <a:gradFill rotWithShape="1">
+          <a:gsLst>
+            <a:gs pos="0">
+              <a:schemeClr val="phClr">
+                <a:tint val="93000"/>
+                <a:satMod val="150000"/>
+                <a:shade val="98000"/>
+                <a:lumMod val="102000"/>
+              </a:schemeClr>
+            </a:gs>
+            <a:gs pos="50000">
+              <a:schemeClr val="phClr">
+                <a:tint val="98000"/>
+                <a:satMod val="130000"/>
+                <a:shade val="90000"/>
+                <a:lumMod val="103000"/>
+              </a:schemeClr>
+            </a:gs>
+            <a:gs pos="100000">
+              <a:schemeClr val="phClr">
+                <a:shade val="63000"/>
+                <a:satMod val="120000"/>
+              </a:schemeClr>
+            </a:gs>
+          </a:gsLst>
+          <a:lin ang="5400000" scaled="0"/>
+        </a:gradFill>
+      </a:bgFillStyleLst>
+    </a:fmtScheme>
+  </a:themeElements>
+  <a:objectDefaults/>
+  <a:extraClrSchemeLst/>
+  <a:extLst>
+    <a:ext uri="{05A4C25C-085E-4340-85A3-A5531E510DB2}">
+      <thm15:themeFamily xmlns:thm15="http://schemas.microsoft.com/office/thememl/2012/main" name="Office Theme" id="{62F939B6-93AF-4DB8-9C6B-D6C7DFDC589F}" vid="{4A3C46E8-61CC-4603-A589-7422A47A8E4A}"/>
+    </a:ext>
+  </a:extLst>
+</a:theme>
+</file>
+
 <file path=customXml/item1.xml><?xml version="1.0" encoding="utf-8"?>
 <?mso-contentType ?>
 <FormTemplates xmlns="http://schemas.microsoft.com/sharepoint/v3/contenttype/forms">
@@ -4414,21 +6838,6 @@
 </file>
 
 <file path=customXml/item2.xml><?xml version="1.0" encoding="utf-8"?>
-<p:properties xmlns:p="http://schemas.microsoft.com/office/2006/metadata/properties" xmlns:xsi="http://www.w3.org/2001/XMLSchema-instance" xmlns:pc="http://schemas.microsoft.com/office/infopath/2007/PartnerControls">
-  <documentManagement>
-    <IconOverlay xmlns="http://schemas.microsoft.com/sharepoint/v4" xsi:nil="true"/>
-    <TaxCatchAll xmlns="128482ec-0431-40d5-ab26-89ea2a4f3ccd" xsi:nil="true"/>
-    <m99485b88215436a82099f8287cba0b0 xmlns="128482ec-0431-40d5-ab26-89ea2a4f3ccd">
-      <Terms xmlns="http://schemas.microsoft.com/office/infopath/2007/PartnerControls"/>
-    </m99485b88215436a82099f8287cba0b0>
-    <lcf76f155ced4ddcb4097134ff3c332f xmlns="60eb0cf4-ae2a-4762-800a-cb593b869ecb">
-      <Terms xmlns="http://schemas.microsoft.com/office/infopath/2007/PartnerControls"/>
-    </lcf76f155ced4ddcb4097134ff3c332f>
-  </documentManagement>
-</p:properties>
-</file>
-
-<file path=customXml/item3.xml><?xml version="1.0" encoding="utf-8"?>
 <ct:contentTypeSchema xmlns:ct="http://schemas.microsoft.com/office/2006/metadata/contentType" xmlns:ma="http://schemas.microsoft.com/office/2006/metadata/properties/metaAttributes" ct:_="" ma:_="" ma:contentTypeName="Document" ma:contentTypeID="0x010100723942CCEB3A674D8F1F6472CCEFB38E" ma:contentTypeVersion="10" ma:contentTypeDescription="Create a new document." ma:contentTypeScope="" ma:versionID="16a01ce9272d529e040be000891ba687">
   <xsd:schema xmlns:xsd="http://www.w3.org/2001/XMLSchema" xmlns:xs="http://www.w3.org/2001/XMLSchema" xmlns:p="http://schemas.microsoft.com/office/2006/metadata/properties" xmlns:ns2="128482ec-0431-40d5-ab26-89ea2a4f3ccd" xmlns:ns3="60eb0cf4-ae2a-4762-800a-cb593b869ecb" xmlns:ns4="http://schemas.microsoft.com/sharepoint/v4" xmlns:ns5="a2e691a9-fcfc-4d85-a390-1894fe98bd9e" targetNamespace="http://schemas.microsoft.com/office/2006/metadata/properties" ma:root="true" ma:fieldsID="f316950213048d470c4fd696bb5ac3d5" ns2:_="" ns3:_="" ns4:_="" ns5:_="">
     <xsd:import namespace="128482ec-0431-40d5-ab26-89ea2a4f3ccd"/>
@@ -4695,6 +7104,21 @@
 </ct:contentTypeSchema>
 </file>
 
+<file path=customXml/item3.xml><?xml version="1.0" encoding="utf-8"?>
+<p:properties xmlns:p="http://schemas.microsoft.com/office/2006/metadata/properties" xmlns:xsi="http://www.w3.org/2001/XMLSchema-instance" xmlns:pc="http://schemas.microsoft.com/office/infopath/2007/PartnerControls">
+  <documentManagement>
+    <IconOverlay xmlns="http://schemas.microsoft.com/sharepoint/v4" xsi:nil="true"/>
+    <TaxCatchAll xmlns="128482ec-0431-40d5-ab26-89ea2a4f3ccd" xsi:nil="true"/>
+    <m99485b88215436a82099f8287cba0b0 xmlns="128482ec-0431-40d5-ab26-89ea2a4f3ccd">
+      <Terms xmlns="http://schemas.microsoft.com/office/infopath/2007/PartnerControls"/>
+    </m99485b88215436a82099f8287cba0b0>
+    <lcf76f155ced4ddcb4097134ff3c332f xmlns="60eb0cf4-ae2a-4762-800a-cb593b869ecb">
+      <Terms xmlns="http://schemas.microsoft.com/office/infopath/2007/PartnerControls"/>
+    </lcf76f155ced4ddcb4097134ff3c332f>
+  </documentManagement>
+</p:properties>
+</file>
+
 <file path=customXml/itemProps1.xml><?xml version="1.0" encoding="utf-8"?>
 <ds:datastoreItem xmlns:ds="http://schemas.openxmlformats.org/officeDocument/2006/customXml" ds:itemID="{AF8EC6D1-CB19-4400-AD0A-0C75CD884AEA}">
   <ds:schemaRefs>
@@ -4704,18 +7128,6 @@
 </file>
 
 <file path=customXml/itemProps2.xml><?xml version="1.0" encoding="utf-8"?>
-<ds:datastoreItem xmlns:ds="http://schemas.openxmlformats.org/officeDocument/2006/customXml" ds:itemID="{B743389A-7EE0-4951-8919-E91DD69E3687}">
-  <ds:schemaRefs>
-    <ds:schemaRef ds:uri="128482ec-0431-40d5-ab26-89ea2a4f3ccd"/>
-    <ds:schemaRef ds:uri="http://schemas.microsoft.com/office/2006/metadata/properties"/>
-    <ds:schemaRef ds:uri="http://schemas.microsoft.com/office/infopath/2007/PartnerControls"/>
-    <ds:schemaRef ds:uri="http://schemas.microsoft.com/sharepoint/v4"/>
-    <ds:schemaRef ds:uri="60eb0cf4-ae2a-4762-800a-cb593b869ecb"/>
-  </ds:schemaRefs>
-</ds:datastoreItem>
-</file>
-
-<file path=customXml/itemProps3.xml><?xml version="1.0" encoding="utf-8"?>
 <ds:datastoreItem xmlns:ds="http://schemas.openxmlformats.org/officeDocument/2006/customXml" ds:itemID="{CB95CD2F-7AF1-41D4-B9F6-F2104A185175}">
   <ds:schemaRefs>
     <ds:schemaRef ds:uri="http://schemas.microsoft.com/office/2006/metadata/contentType"/>
@@ -4734,4 +7146,16 @@
     <ds:schemaRef ds:uri="http://schemas.microsoft.com/internal/obd"/>
   </ds:schemaRefs>
 </ds:datastoreItem>
+</file>
+
+<file path=customXml/itemProps3.xml><?xml version="1.0" encoding="utf-8"?>
+<ds:datastoreItem xmlns:ds="http://schemas.openxmlformats.org/officeDocument/2006/customXml" ds:itemID="{B743389A-7EE0-4951-8919-E91DD69E3687}">
+  <ds:schemaRefs>
+    <ds:schemaRef ds:uri="128482ec-0431-40d5-ab26-89ea2a4f3ccd"/>
+    <ds:schemaRef ds:uri="http://schemas.microsoft.com/office/2006/metadata/properties"/>
+    <ds:schemaRef ds:uri="http://schemas.microsoft.com/office/infopath/2007/PartnerControls"/>
+    <ds:schemaRef ds:uri="http://schemas.microsoft.com/sharepoint/v4"/>
+    <ds:schemaRef ds:uri="60eb0cf4-ae2a-4762-800a-cb593b869ecb"/>
+  </ds:schemaRefs>
+</ds:datastoreItem>
 </file>